--- a/Observability.pptx
+++ b/Observability.pptx
@@ -5,7 +5,7 @@
     <p:sldMasterId id="2147483659" r:id="rId1"/>
   </p:sldMasterIdLst>
   <p:notesMasterIdLst>
-    <p:notesMasterId r:id="rId40"/>
+    <p:notesMasterId r:id="rId38"/>
   </p:notesMasterIdLst>
   <p:sldIdLst>
     <p:sldId id="256" r:id="rId2"/>
@@ -31,37 +31,35 @@
     <p:sldId id="311" r:id="rId22"/>
     <p:sldId id="346" r:id="rId23"/>
     <p:sldId id="312" r:id="rId24"/>
-    <p:sldId id="313" r:id="rId25"/>
-    <p:sldId id="314" r:id="rId26"/>
-    <p:sldId id="315" r:id="rId27"/>
-    <p:sldId id="347" r:id="rId28"/>
-    <p:sldId id="316" r:id="rId29"/>
-    <p:sldId id="317" r:id="rId30"/>
-    <p:sldId id="318" r:id="rId31"/>
-    <p:sldId id="319" r:id="rId32"/>
-    <p:sldId id="345" r:id="rId33"/>
-    <p:sldId id="348" r:id="rId34"/>
-    <p:sldId id="353" r:id="rId35"/>
-    <p:sldId id="349" r:id="rId36"/>
-    <p:sldId id="351" r:id="rId37"/>
-    <p:sldId id="350" r:id="rId38"/>
-    <p:sldId id="352" r:id="rId39"/>
+    <p:sldId id="314" r:id="rId25"/>
+    <p:sldId id="315" r:id="rId26"/>
+    <p:sldId id="347" r:id="rId27"/>
+    <p:sldId id="316" r:id="rId28"/>
+    <p:sldId id="318" r:id="rId29"/>
+    <p:sldId id="319" r:id="rId30"/>
+    <p:sldId id="345" r:id="rId31"/>
+    <p:sldId id="348" r:id="rId32"/>
+    <p:sldId id="353" r:id="rId33"/>
+    <p:sldId id="349" r:id="rId34"/>
+    <p:sldId id="351" r:id="rId35"/>
+    <p:sldId id="350" r:id="rId36"/>
+    <p:sldId id="352" r:id="rId37"/>
   </p:sldIdLst>
   <p:sldSz cx="9144000" cy="5143500" type="screen16x9"/>
   <p:notesSz cx="6858000" cy="9144000"/>
   <p:embeddedFontLst>
     <p:embeddedFont>
       <p:font typeface="Old Standard TT" panose="020B0604020202020204" charset="0"/>
-      <p:regular r:id="rId41"/>
-      <p:bold r:id="rId42"/>
-      <p:italic r:id="rId43"/>
+      <p:regular r:id="rId39"/>
+      <p:bold r:id="rId40"/>
+      <p:italic r:id="rId41"/>
     </p:embeddedFont>
     <p:embeddedFont>
       <p:font typeface="Roboto Mono" panose="00000009000000000000" pitchFamily="49" charset="0"/>
-      <p:regular r:id="rId44"/>
-      <p:bold r:id="rId45"/>
-      <p:italic r:id="rId46"/>
-      <p:boldItalic r:id="rId47"/>
+      <p:regular r:id="rId42"/>
+      <p:bold r:id="rId43"/>
+      <p:italic r:id="rId44"/>
+      <p:boldItalic r:id="rId45"/>
     </p:embeddedFont>
   </p:embeddedFontLst>
   <p:defaultTextStyle>
@@ -2701,133 +2699,6 @@
         <p:cNvPr id="1" name="Shape 330">
           <a:extLst>
             <a:ext uri="{FF2B5EF4-FFF2-40B4-BE49-F238E27FC236}">
-              <a16:creationId xmlns:a16="http://schemas.microsoft.com/office/drawing/2014/main" id="{F7D797B1-E24C-4E7D-EB74-E9733087D2A8}"/>
-            </a:ext>
-          </a:extLst>
-        </p:cNvPr>
-        <p:cNvGrpSpPr/>
-        <p:nvPr/>
-      </p:nvGrpSpPr>
-      <p:grpSpPr>
-        <a:xfrm>
-          <a:off x="0" y="0"/>
-          <a:ext cx="0" cy="0"/>
-          <a:chOff x="0" y="0"/>
-          <a:chExt cx="0" cy="0"/>
-        </a:xfrm>
-      </p:grpSpPr>
-      <p:sp>
-        <p:nvSpPr>
-          <p:cNvPr id="331" name="Google Shape;331;g31ad97d778f_0_162:notes">
-            <a:extLst>
-              <a:ext uri="{FF2B5EF4-FFF2-40B4-BE49-F238E27FC236}">
-                <a16:creationId xmlns:a16="http://schemas.microsoft.com/office/drawing/2014/main" id="{DAEA1D95-77C0-1AC4-1DE2-8703C567D69C}"/>
-              </a:ext>
-            </a:extLst>
-          </p:cNvPr>
-          <p:cNvSpPr>
-            <a:spLocks noGrp="1" noRot="1" noChangeAspect="1"/>
-          </p:cNvSpPr>
-          <p:nvPr>
-            <p:ph type="sldImg" idx="2"/>
-          </p:nvPr>
-        </p:nvSpPr>
-        <p:spPr>
-          <a:xfrm>
-            <a:off x="381000" y="685800"/>
-            <a:ext cx="6096000" cy="3429000"/>
-          </a:xfrm>
-          <a:custGeom>
-            <a:avLst/>
-            <a:gdLst/>
-            <a:ahLst/>
-            <a:cxnLst/>
-            <a:rect l="l" t="t" r="r" b="b"/>
-            <a:pathLst>
-              <a:path w="120000" h="120000" extrusionOk="0">
-                <a:moveTo>
-                  <a:pt x="0" y="0"/>
-                </a:moveTo>
-                <a:lnTo>
-                  <a:pt x="120000" y="0"/>
-                </a:lnTo>
-                <a:lnTo>
-                  <a:pt x="120000" y="120000"/>
-                </a:lnTo>
-                <a:lnTo>
-                  <a:pt x="0" y="120000"/>
-                </a:lnTo>
-                <a:close/>
-              </a:path>
-            </a:pathLst>
-          </a:custGeom>
-        </p:spPr>
-      </p:sp>
-      <p:sp>
-        <p:nvSpPr>
-          <p:cNvPr id="332" name="Google Shape;332;g31ad97d778f_0_162:notes">
-            <a:extLst>
-              <a:ext uri="{FF2B5EF4-FFF2-40B4-BE49-F238E27FC236}">
-                <a16:creationId xmlns:a16="http://schemas.microsoft.com/office/drawing/2014/main" id="{D28B9AC1-F1E3-81F6-BB46-DCFBCF00A988}"/>
-              </a:ext>
-            </a:extLst>
-          </p:cNvPr>
-          <p:cNvSpPr txBox="1">
-            <a:spLocks noGrp="1"/>
-          </p:cNvSpPr>
-          <p:nvPr>
-            <p:ph type="body" idx="1"/>
-          </p:nvPr>
-        </p:nvSpPr>
-        <p:spPr>
-          <a:xfrm>
-            <a:off x="685800" y="4343400"/>
-            <a:ext cx="5486400" cy="4114800"/>
-          </a:xfrm>
-          <a:prstGeom prst="rect">
-            <a:avLst/>
-          </a:prstGeom>
-        </p:spPr>
-        <p:txBody>
-          <a:bodyPr spcFirstLastPara="1" wrap="square" lIns="91425" tIns="91425" rIns="91425" bIns="91425" anchor="t" anchorCtr="0">
-            <a:noAutofit/>
-          </a:bodyPr>
-          <a:lstStyle/>
-          <a:p>
-            <a:pPr marL="0" lvl="0" indent="0" algn="l" rtl="0">
-              <a:spcBef>
-                <a:spcPts val="0"/>
-              </a:spcBef>
-              <a:spcAft>
-                <a:spcPts val="0"/>
-              </a:spcAft>
-              <a:buNone/>
-            </a:pPr>
-            <a:endParaRPr/>
-          </a:p>
-        </p:txBody>
-      </p:sp>
-    </p:spTree>
-    <p:extLst>
-      <p:ext uri="{BB962C8B-B14F-4D97-AF65-F5344CB8AC3E}">
-        <p14:creationId xmlns:p14="http://schemas.microsoft.com/office/powerpoint/2010/main" val="2727317760"/>
-      </p:ext>
-    </p:extLst>
-  </p:cSld>
-  <p:clrMapOvr>
-    <a:masterClrMapping/>
-  </p:clrMapOvr>
-</p:notes>
-</file>
-
-<file path=ppt/notesSlides/notesSlide25.xml><?xml version="1.0" encoding="utf-8"?>
-<p:notes xmlns:a="http://schemas.openxmlformats.org/drawingml/2006/main" xmlns:r="http://schemas.openxmlformats.org/officeDocument/2006/relationships" xmlns:p="http://schemas.openxmlformats.org/presentationml/2006/main" showMasterSp="0" showMasterPhAnim="0">
-  <p:cSld>
-    <p:spTree>
-      <p:nvGrpSpPr>
-        <p:cNvPr id="1" name="Shape 330">
-          <a:extLst>
-            <a:ext uri="{FF2B5EF4-FFF2-40B4-BE49-F238E27FC236}">
               <a16:creationId xmlns:a16="http://schemas.microsoft.com/office/drawing/2014/main" id="{956A1CA6-41A8-0E14-9D27-7002042A8098}"/>
             </a:ext>
           </a:extLst>
@@ -2947,7 +2818,7 @@
 </p:notes>
 </file>
 
-<file path=ppt/notesSlides/notesSlide26.xml><?xml version="1.0" encoding="utf-8"?>
+<file path=ppt/notesSlides/notesSlide25.xml><?xml version="1.0" encoding="utf-8"?>
 <p:notes xmlns:a="http://schemas.openxmlformats.org/drawingml/2006/main" xmlns:r="http://schemas.openxmlformats.org/officeDocument/2006/relationships" xmlns:p="http://schemas.openxmlformats.org/presentationml/2006/main" showMasterSp="0" showMasterPhAnim="0">
   <p:cSld>
     <p:spTree>
@@ -3074,7 +2945,7 @@
 </p:notes>
 </file>
 
-<file path=ppt/notesSlides/notesSlide27.xml><?xml version="1.0" encoding="utf-8"?>
+<file path=ppt/notesSlides/notesSlide26.xml><?xml version="1.0" encoding="utf-8"?>
 <p:notes xmlns:a="http://schemas.openxmlformats.org/drawingml/2006/main" xmlns:r="http://schemas.openxmlformats.org/officeDocument/2006/relationships" xmlns:p="http://schemas.openxmlformats.org/presentationml/2006/main" showMasterSp="0" showMasterPhAnim="0">
   <p:cSld>
     <p:spTree>
@@ -3201,7 +3072,7 @@
 </p:notes>
 </file>
 
-<file path=ppt/notesSlides/notesSlide28.xml><?xml version="1.0" encoding="utf-8"?>
+<file path=ppt/notesSlides/notesSlide27.xml><?xml version="1.0" encoding="utf-8"?>
 <p:notes xmlns:a="http://schemas.openxmlformats.org/drawingml/2006/main" xmlns:r="http://schemas.openxmlformats.org/officeDocument/2006/relationships" xmlns:p="http://schemas.openxmlformats.org/presentationml/2006/main" showMasterSp="0" showMasterPhAnim="0">
   <p:cSld>
     <p:spTree>
@@ -3328,238 +3199,7 @@
 </p:notes>
 </file>
 
-<file path=ppt/notesSlides/notesSlide29.xml><?xml version="1.0" encoding="utf-8"?>
-<p:notes xmlns:a="http://schemas.openxmlformats.org/drawingml/2006/main" xmlns:r="http://schemas.openxmlformats.org/officeDocument/2006/relationships" xmlns:p="http://schemas.openxmlformats.org/presentationml/2006/main" showMasterSp="0" showMasterPhAnim="0">
-  <p:cSld>
-    <p:spTree>
-      <p:nvGrpSpPr>
-        <p:cNvPr id="1" name="Shape 330">
-          <a:extLst>
-            <a:ext uri="{FF2B5EF4-FFF2-40B4-BE49-F238E27FC236}">
-              <a16:creationId xmlns:a16="http://schemas.microsoft.com/office/drawing/2014/main" id="{D4972750-E0DF-969C-D8A9-10F1B90CADFE}"/>
-            </a:ext>
-          </a:extLst>
-        </p:cNvPr>
-        <p:cNvGrpSpPr/>
-        <p:nvPr/>
-      </p:nvGrpSpPr>
-      <p:grpSpPr>
-        <a:xfrm>
-          <a:off x="0" y="0"/>
-          <a:ext cx="0" cy="0"/>
-          <a:chOff x="0" y="0"/>
-          <a:chExt cx="0" cy="0"/>
-        </a:xfrm>
-      </p:grpSpPr>
-      <p:sp>
-        <p:nvSpPr>
-          <p:cNvPr id="331" name="Google Shape;331;g31ad97d778f_0_162:notes">
-            <a:extLst>
-              <a:ext uri="{FF2B5EF4-FFF2-40B4-BE49-F238E27FC236}">
-                <a16:creationId xmlns:a16="http://schemas.microsoft.com/office/drawing/2014/main" id="{B35E8405-B575-2D59-21BD-D41722A7015A}"/>
-              </a:ext>
-            </a:extLst>
-          </p:cNvPr>
-          <p:cNvSpPr>
-            <a:spLocks noGrp="1" noRot="1" noChangeAspect="1"/>
-          </p:cNvSpPr>
-          <p:nvPr>
-            <p:ph type="sldImg" idx="2"/>
-          </p:nvPr>
-        </p:nvSpPr>
-        <p:spPr>
-          <a:xfrm>
-            <a:off x="381000" y="685800"/>
-            <a:ext cx="6096000" cy="3429000"/>
-          </a:xfrm>
-          <a:custGeom>
-            <a:avLst/>
-            <a:gdLst/>
-            <a:ahLst/>
-            <a:cxnLst/>
-            <a:rect l="l" t="t" r="r" b="b"/>
-            <a:pathLst>
-              <a:path w="120000" h="120000" extrusionOk="0">
-                <a:moveTo>
-                  <a:pt x="0" y="0"/>
-                </a:moveTo>
-                <a:lnTo>
-                  <a:pt x="120000" y="0"/>
-                </a:lnTo>
-                <a:lnTo>
-                  <a:pt x="120000" y="120000"/>
-                </a:lnTo>
-                <a:lnTo>
-                  <a:pt x="0" y="120000"/>
-                </a:lnTo>
-                <a:close/>
-              </a:path>
-            </a:pathLst>
-          </a:custGeom>
-        </p:spPr>
-      </p:sp>
-      <p:sp>
-        <p:nvSpPr>
-          <p:cNvPr id="332" name="Google Shape;332;g31ad97d778f_0_162:notes">
-            <a:extLst>
-              <a:ext uri="{FF2B5EF4-FFF2-40B4-BE49-F238E27FC236}">
-                <a16:creationId xmlns:a16="http://schemas.microsoft.com/office/drawing/2014/main" id="{8C38B2BA-9981-39FB-8862-A25B6F7CB46A}"/>
-              </a:ext>
-            </a:extLst>
-          </p:cNvPr>
-          <p:cNvSpPr txBox="1">
-            <a:spLocks noGrp="1"/>
-          </p:cNvSpPr>
-          <p:nvPr>
-            <p:ph type="body" idx="1"/>
-          </p:nvPr>
-        </p:nvSpPr>
-        <p:spPr>
-          <a:xfrm>
-            <a:off x="685800" y="4343400"/>
-            <a:ext cx="5486400" cy="4114800"/>
-          </a:xfrm>
-          <a:prstGeom prst="rect">
-            <a:avLst/>
-          </a:prstGeom>
-        </p:spPr>
-        <p:txBody>
-          <a:bodyPr spcFirstLastPara="1" wrap="square" lIns="91425" tIns="91425" rIns="91425" bIns="91425" anchor="t" anchorCtr="0">
-            <a:noAutofit/>
-          </a:bodyPr>
-          <a:lstStyle/>
-          <a:p>
-            <a:pPr marL="0" lvl="0" indent="0" algn="l" rtl="0">
-              <a:spcBef>
-                <a:spcPts val="0"/>
-              </a:spcBef>
-              <a:spcAft>
-                <a:spcPts val="0"/>
-              </a:spcAft>
-              <a:buNone/>
-            </a:pPr>
-            <a:endParaRPr/>
-          </a:p>
-        </p:txBody>
-      </p:sp>
-    </p:spTree>
-    <p:extLst>
-      <p:ext uri="{BB962C8B-B14F-4D97-AF65-F5344CB8AC3E}">
-        <p14:creationId xmlns:p14="http://schemas.microsoft.com/office/powerpoint/2010/main" val="2765566868"/>
-      </p:ext>
-    </p:extLst>
-  </p:cSld>
-  <p:clrMapOvr>
-    <a:masterClrMapping/>
-  </p:clrMapOvr>
-</p:notes>
-</file>
-
-<file path=ppt/notesSlides/notesSlide3.xml><?xml version="1.0" encoding="utf-8"?>
-<p:notes xmlns:a="http://schemas.openxmlformats.org/drawingml/2006/main" xmlns:r="http://schemas.openxmlformats.org/officeDocument/2006/relationships" xmlns:p="http://schemas.openxmlformats.org/presentationml/2006/main" showMasterSp="0" showMasterPhAnim="0">
-  <p:cSld>
-    <p:spTree>
-      <p:nvGrpSpPr>
-        <p:cNvPr id="1" name="Shape 270"/>
-        <p:cNvGrpSpPr/>
-        <p:nvPr/>
-      </p:nvGrpSpPr>
-      <p:grpSpPr>
-        <a:xfrm>
-          <a:off x="0" y="0"/>
-          <a:ext cx="0" cy="0"/>
-          <a:chOff x="0" y="0"/>
-          <a:chExt cx="0" cy="0"/>
-        </a:xfrm>
-      </p:grpSpPr>
-      <p:sp>
-        <p:nvSpPr>
-          <p:cNvPr id="271" name="Google Shape;271;g31ad97d778f_0_76:notes"/>
-          <p:cNvSpPr>
-            <a:spLocks noGrp="1" noRot="1" noChangeAspect="1"/>
-          </p:cNvSpPr>
-          <p:nvPr>
-            <p:ph type="sldImg" idx="2"/>
-          </p:nvPr>
-        </p:nvSpPr>
-        <p:spPr>
-          <a:xfrm>
-            <a:off x="381000" y="685800"/>
-            <a:ext cx="6096000" cy="3429000"/>
-          </a:xfrm>
-          <a:custGeom>
-            <a:avLst/>
-            <a:gdLst/>
-            <a:ahLst/>
-            <a:cxnLst/>
-            <a:rect l="l" t="t" r="r" b="b"/>
-            <a:pathLst>
-              <a:path w="120000" h="120000" extrusionOk="0">
-                <a:moveTo>
-                  <a:pt x="0" y="0"/>
-                </a:moveTo>
-                <a:lnTo>
-                  <a:pt x="120000" y="0"/>
-                </a:lnTo>
-                <a:lnTo>
-                  <a:pt x="120000" y="120000"/>
-                </a:lnTo>
-                <a:lnTo>
-                  <a:pt x="0" y="120000"/>
-                </a:lnTo>
-                <a:close/>
-              </a:path>
-            </a:pathLst>
-          </a:custGeom>
-        </p:spPr>
-      </p:sp>
-      <p:sp>
-        <p:nvSpPr>
-          <p:cNvPr id="272" name="Google Shape;272;g31ad97d778f_0_76:notes"/>
-          <p:cNvSpPr txBox="1">
-            <a:spLocks noGrp="1"/>
-          </p:cNvSpPr>
-          <p:nvPr>
-            <p:ph type="body" idx="1"/>
-          </p:nvPr>
-        </p:nvSpPr>
-        <p:spPr>
-          <a:xfrm>
-            <a:off x="685800" y="4343400"/>
-            <a:ext cx="5486400" cy="4114800"/>
-          </a:xfrm>
-          <a:prstGeom prst="rect">
-            <a:avLst/>
-          </a:prstGeom>
-        </p:spPr>
-        <p:txBody>
-          <a:bodyPr spcFirstLastPara="1" wrap="square" lIns="91425" tIns="91425" rIns="91425" bIns="91425" anchor="t" anchorCtr="0">
-            <a:noAutofit/>
-          </a:bodyPr>
-          <a:lstStyle/>
-          <a:p>
-            <a:pPr marL="0" lvl="0" indent="0" algn="l" rtl="0">
-              <a:spcBef>
-                <a:spcPts val="0"/>
-              </a:spcBef>
-              <a:spcAft>
-                <a:spcPts val="0"/>
-              </a:spcAft>
-              <a:buNone/>
-            </a:pPr>
-            <a:endParaRPr/>
-          </a:p>
-        </p:txBody>
-      </p:sp>
-    </p:spTree>
-  </p:cSld>
-  <p:clrMapOvr>
-    <a:masterClrMapping/>
-  </p:clrMapOvr>
-</p:notes>
-</file>
-
-<file path=ppt/notesSlides/notesSlide30.xml><?xml version="1.0" encoding="utf-8"?>
+<file path=ppt/notesSlides/notesSlide28.xml><?xml version="1.0" encoding="utf-8"?>
 <p:notes xmlns:a="http://schemas.openxmlformats.org/drawingml/2006/main" xmlns:r="http://schemas.openxmlformats.org/officeDocument/2006/relationships" xmlns:p="http://schemas.openxmlformats.org/presentationml/2006/main" showMasterSp="0" showMasterPhAnim="0">
   <p:cSld>
     <p:spTree>
@@ -3686,7 +3326,7 @@
 </p:notes>
 </file>
 
-<file path=ppt/notesSlides/notesSlide31.xml><?xml version="1.0" encoding="utf-8"?>
+<file path=ppt/notesSlides/notesSlide29.xml><?xml version="1.0" encoding="utf-8"?>
 <p:notes xmlns:a="http://schemas.openxmlformats.org/drawingml/2006/main" xmlns:r="http://schemas.openxmlformats.org/officeDocument/2006/relationships" xmlns:p="http://schemas.openxmlformats.org/presentationml/2006/main" showMasterSp="0" showMasterPhAnim="0">
   <p:cSld>
     <p:spTree>
@@ -3813,7 +3453,111 @@
 </p:notes>
 </file>
 
-<file path=ppt/notesSlides/notesSlide32.xml><?xml version="1.0" encoding="utf-8"?>
+<file path=ppt/notesSlides/notesSlide3.xml><?xml version="1.0" encoding="utf-8"?>
+<p:notes xmlns:a="http://schemas.openxmlformats.org/drawingml/2006/main" xmlns:r="http://schemas.openxmlformats.org/officeDocument/2006/relationships" xmlns:p="http://schemas.openxmlformats.org/presentationml/2006/main" showMasterSp="0" showMasterPhAnim="0">
+  <p:cSld>
+    <p:spTree>
+      <p:nvGrpSpPr>
+        <p:cNvPr id="1" name="Shape 270"/>
+        <p:cNvGrpSpPr/>
+        <p:nvPr/>
+      </p:nvGrpSpPr>
+      <p:grpSpPr>
+        <a:xfrm>
+          <a:off x="0" y="0"/>
+          <a:ext cx="0" cy="0"/>
+          <a:chOff x="0" y="0"/>
+          <a:chExt cx="0" cy="0"/>
+        </a:xfrm>
+      </p:grpSpPr>
+      <p:sp>
+        <p:nvSpPr>
+          <p:cNvPr id="271" name="Google Shape;271;g31ad97d778f_0_76:notes"/>
+          <p:cNvSpPr>
+            <a:spLocks noGrp="1" noRot="1" noChangeAspect="1"/>
+          </p:cNvSpPr>
+          <p:nvPr>
+            <p:ph type="sldImg" idx="2"/>
+          </p:nvPr>
+        </p:nvSpPr>
+        <p:spPr>
+          <a:xfrm>
+            <a:off x="381000" y="685800"/>
+            <a:ext cx="6096000" cy="3429000"/>
+          </a:xfrm>
+          <a:custGeom>
+            <a:avLst/>
+            <a:gdLst/>
+            <a:ahLst/>
+            <a:cxnLst/>
+            <a:rect l="l" t="t" r="r" b="b"/>
+            <a:pathLst>
+              <a:path w="120000" h="120000" extrusionOk="0">
+                <a:moveTo>
+                  <a:pt x="0" y="0"/>
+                </a:moveTo>
+                <a:lnTo>
+                  <a:pt x="120000" y="0"/>
+                </a:lnTo>
+                <a:lnTo>
+                  <a:pt x="120000" y="120000"/>
+                </a:lnTo>
+                <a:lnTo>
+                  <a:pt x="0" y="120000"/>
+                </a:lnTo>
+                <a:close/>
+              </a:path>
+            </a:pathLst>
+          </a:custGeom>
+        </p:spPr>
+      </p:sp>
+      <p:sp>
+        <p:nvSpPr>
+          <p:cNvPr id="272" name="Google Shape;272;g31ad97d778f_0_76:notes"/>
+          <p:cNvSpPr txBox="1">
+            <a:spLocks noGrp="1"/>
+          </p:cNvSpPr>
+          <p:nvPr>
+            <p:ph type="body" idx="1"/>
+          </p:nvPr>
+        </p:nvSpPr>
+        <p:spPr>
+          <a:xfrm>
+            <a:off x="685800" y="4343400"/>
+            <a:ext cx="5486400" cy="4114800"/>
+          </a:xfrm>
+          <a:prstGeom prst="rect">
+            <a:avLst/>
+          </a:prstGeom>
+        </p:spPr>
+        <p:txBody>
+          <a:bodyPr spcFirstLastPara="1" wrap="square" lIns="91425" tIns="91425" rIns="91425" bIns="91425" anchor="t" anchorCtr="0">
+            <a:noAutofit/>
+          </a:bodyPr>
+          <a:lstStyle/>
+          <a:p>
+            <a:pPr marL="0" lvl="0" indent="0" algn="l" rtl="0">
+              <a:spcBef>
+                <a:spcPts val="0"/>
+              </a:spcBef>
+              <a:spcAft>
+                <a:spcPts val="0"/>
+              </a:spcAft>
+              <a:buNone/>
+            </a:pPr>
+            <a:endParaRPr/>
+          </a:p>
+        </p:txBody>
+      </p:sp>
+    </p:spTree>
+  </p:cSld>
+  <p:clrMapOvr>
+    <a:masterClrMapping/>
+  </p:clrMapOvr>
+</p:notes>
+</file>
+
+<file path=ppt/notesSlides/notesSlide30.xml><?xml version="1.0" encoding="utf-8"?>
 <p:notes xmlns:a="http://schemas.openxmlformats.org/drawingml/2006/main" xmlns:r="http://schemas.openxmlformats.org/officeDocument/2006/relationships" xmlns:p="http://schemas.openxmlformats.org/presentationml/2006/main" showMasterSp="0" showMasterPhAnim="0">
   <p:cSld>
     <p:spTree>
@@ -3940,7 +3684,7 @@
 </p:notes>
 </file>
 
-<file path=ppt/notesSlides/notesSlide33.xml><?xml version="1.0" encoding="utf-8"?>
+<file path=ppt/notesSlides/notesSlide31.xml><?xml version="1.0" encoding="utf-8"?>
 <p:notes xmlns:a="http://schemas.openxmlformats.org/drawingml/2006/main" xmlns:r="http://schemas.openxmlformats.org/officeDocument/2006/relationships" xmlns:p="http://schemas.openxmlformats.org/presentationml/2006/main" showMasterSp="0" showMasterPhAnim="0">
   <p:cSld>
     <p:spTree>
@@ -4067,7 +3811,7 @@
 </p:notes>
 </file>
 
-<file path=ppt/notesSlides/notesSlide34.xml><?xml version="1.0" encoding="utf-8"?>
+<file path=ppt/notesSlides/notesSlide32.xml><?xml version="1.0" encoding="utf-8"?>
 <p:notes xmlns:a="http://schemas.openxmlformats.org/drawingml/2006/main" xmlns:r="http://schemas.openxmlformats.org/officeDocument/2006/relationships" xmlns:p="http://schemas.openxmlformats.org/presentationml/2006/main" showMasterSp="0" showMasterPhAnim="0">
   <p:cSld>
     <p:spTree>
@@ -4194,7 +3938,7 @@
 </p:notes>
 </file>
 
-<file path=ppt/notesSlides/notesSlide35.xml><?xml version="1.0" encoding="utf-8"?>
+<file path=ppt/notesSlides/notesSlide33.xml><?xml version="1.0" encoding="utf-8"?>
 <p:notes xmlns:a="http://schemas.openxmlformats.org/drawingml/2006/main" xmlns:r="http://schemas.openxmlformats.org/officeDocument/2006/relationships" xmlns:p="http://schemas.openxmlformats.org/presentationml/2006/main" showMasterSp="0" showMasterPhAnim="0">
   <p:cSld>
     <p:spTree>
@@ -4321,7 +4065,7 @@
 </p:notes>
 </file>
 
-<file path=ppt/notesSlides/notesSlide36.xml><?xml version="1.0" encoding="utf-8"?>
+<file path=ppt/notesSlides/notesSlide34.xml><?xml version="1.0" encoding="utf-8"?>
 <p:notes xmlns:a="http://schemas.openxmlformats.org/drawingml/2006/main" xmlns:r="http://schemas.openxmlformats.org/officeDocument/2006/relationships" xmlns:p="http://schemas.openxmlformats.org/presentationml/2006/main" showMasterSp="0" showMasterPhAnim="0">
   <p:cSld>
     <p:spTree>
@@ -4448,7 +4192,7 @@
 </p:notes>
 </file>
 
-<file path=ppt/notesSlides/notesSlide37.xml><?xml version="1.0" encoding="utf-8"?>
+<file path=ppt/notesSlides/notesSlide35.xml><?xml version="1.0" encoding="utf-8"?>
 <p:notes xmlns:a="http://schemas.openxmlformats.org/drawingml/2006/main" xmlns:r="http://schemas.openxmlformats.org/officeDocument/2006/relationships" xmlns:p="http://schemas.openxmlformats.org/presentationml/2006/main" showMasterSp="0" showMasterPhAnim="0">
   <p:cSld>
     <p:spTree>
@@ -4575,7 +4319,7 @@
 </p:notes>
 </file>
 
-<file path=ppt/notesSlides/notesSlide38.xml><?xml version="1.0" encoding="utf-8"?>
+<file path=ppt/notesSlides/notesSlide36.xml><?xml version="1.0" encoding="utf-8"?>
 <p:notes xmlns:a="http://schemas.openxmlformats.org/drawingml/2006/main" xmlns:r="http://schemas.openxmlformats.org/officeDocument/2006/relationships" xmlns:p="http://schemas.openxmlformats.org/presentationml/2006/main" showMasterSp="0" showMasterPhAnim="0">
   <p:cSld>
     <p:spTree>
@@ -14576,7 +14320,7 @@
               <a:rPr lang="en-US" sz="1100" dirty="0">
                 <a:latin typeface="+mj-lt"/>
               </a:rPr>
-              <a:t>Each measurement has three key components:</a:t>
+              <a:t>Each measurement has four key components:</a:t>
             </a:r>
           </a:p>
           <a:p>
@@ -15381,7 +15125,7 @@
           <p:nvPr>
             <p:extLst>
               <p:ext uri="{D42A27DB-BD31-4B8C-83A1-F6EECF244321}">
-                <p14:modId xmlns:p14="http://schemas.microsoft.com/office/powerpoint/2010/main" val="1579712879"/>
+                <p14:modId xmlns:p14="http://schemas.microsoft.com/office/powerpoint/2010/main" val="1419017555"/>
               </p:ext>
             </p:extLst>
           </p:nvPr>
@@ -15674,8 +15418,30 @@
                     <a:lstStyle/>
                     <a:p>
                       <a:r>
-                        <a:rPr lang="en-IN" sz="1100"/>
-                        <a:t>Powerful PromQL for trend analysis&lt;br&gt;e.g., rate(node_cpu_seconds_total{mode="idle"}[5m])</a:t>
+                        <a:rPr lang="en-IN" sz="1100" dirty="0"/>
+                        <a:t>Powerful </a:t>
+                      </a:r>
+                      <a:r>
+                        <a:rPr lang="en-IN" sz="1100" dirty="0" err="1"/>
+                        <a:t>PromQL</a:t>
+                      </a:r>
+                      <a:r>
+                        <a:rPr lang="en-IN" sz="1100" dirty="0"/>
+                        <a:t> for trend analysis</a:t>
+                      </a:r>
+                    </a:p>
+                    <a:p>
+                      <a:r>
+                        <a:rPr lang="en-IN" sz="1100" dirty="0"/>
+                        <a:t>e.g., rate(</a:t>
+                      </a:r>
+                      <a:r>
+                        <a:rPr lang="en-IN" sz="1100" dirty="0" err="1"/>
+                        <a:t>node_cpu_seconds_total</a:t>
+                      </a:r>
+                      <a:r>
+                        <a:rPr lang="en-IN" sz="1100" dirty="0"/>
+                        <a:t>{mode="idle"}[5m])</a:t>
                       </a:r>
                     </a:p>
                   </a:txBody>
@@ -17234,10 +17000,9 @@
           <a:lstStyle/>
           <a:p>
             <a:r>
-              <a:rPr lang="en-IN"/>
+              <a:rPr lang="en-IN" dirty="0"/>
               <a:t>Prometheus Architecture Components</a:t>
             </a:r>
-            <a:endParaRPr lang="en-IN" dirty="0"/>
           </a:p>
         </p:txBody>
       </p:sp>
@@ -17263,14 +17028,283 @@
         </p:blipFill>
         <p:spPr>
           <a:xfrm>
-            <a:off x="1094014" y="1058225"/>
-            <a:ext cx="6955972" cy="3861160"/>
+            <a:off x="311700" y="1058225"/>
+            <a:ext cx="4978757" cy="3861160"/>
           </a:xfrm>
           <a:prstGeom prst="rect">
             <a:avLst/>
           </a:prstGeom>
         </p:spPr>
       </p:pic>
+      <p:sp>
+        <p:nvSpPr>
+          <p:cNvPr id="2" name="Google Shape;335;p58">
+            <a:extLst>
+              <a:ext uri="{FF2B5EF4-FFF2-40B4-BE49-F238E27FC236}">
+                <a16:creationId xmlns:a16="http://schemas.microsoft.com/office/drawing/2014/main" id="{14ACECBF-0026-DB46-E327-9E64366B8B0E}"/>
+              </a:ext>
+            </a:extLst>
+          </p:cNvPr>
+          <p:cNvSpPr txBox="1">
+            <a:spLocks noGrp="1"/>
+          </p:cNvSpPr>
+          <p:nvPr>
+            <p:ph type="body" idx="1"/>
+          </p:nvPr>
+        </p:nvSpPr>
+        <p:spPr>
+          <a:xfrm>
+            <a:off x="5396593" y="1013420"/>
+            <a:ext cx="3541843" cy="3991287"/>
+          </a:xfrm>
+          <a:prstGeom prst="rect">
+            <a:avLst/>
+          </a:prstGeom>
+        </p:spPr>
+        <p:txBody>
+          <a:bodyPr spcFirstLastPara="1" wrap="square" lIns="91425" tIns="91425" rIns="91425" bIns="91425" anchor="t" anchorCtr="0">
+            <a:noAutofit/>
+          </a:bodyPr>
+          <a:lstStyle/>
+          <a:p>
+            <a:pPr marL="139700" indent="0">
+              <a:buNone/>
+            </a:pPr>
+            <a:r>
+              <a:rPr lang="en-US" sz="900" b="1" dirty="0">
+                <a:latin typeface="Arial"/>
+                <a:cs typeface="Arial"/>
+              </a:rPr>
+              <a:t>Prometheus Server: </a:t>
+            </a:r>
+            <a:r>
+              <a:rPr lang="en-US" sz="900" dirty="0">
+                <a:latin typeface="Arial"/>
+                <a:cs typeface="Arial"/>
+              </a:rPr>
+              <a:t>The central component that scrapes and stores time series data</a:t>
+            </a:r>
+          </a:p>
+          <a:p>
+            <a:pPr marL="139700" indent="0">
+              <a:buNone/>
+            </a:pPr>
+            <a:r>
+              <a:rPr lang="en-US" sz="900" dirty="0">
+                <a:latin typeface="Arial"/>
+                <a:cs typeface="Arial"/>
+              </a:rPr>
+              <a:t>Includes: Data retrieval, storage, </a:t>
+            </a:r>
+            <a:r>
+              <a:rPr lang="en-US" sz="900" dirty="0" err="1">
+                <a:latin typeface="Arial"/>
+                <a:cs typeface="Arial"/>
+              </a:rPr>
+              <a:t>PromQL</a:t>
+            </a:r>
+            <a:r>
+              <a:rPr lang="en-US" sz="900" dirty="0">
+                <a:latin typeface="Arial"/>
+                <a:cs typeface="Arial"/>
+              </a:rPr>
+              <a:t> processing</a:t>
+            </a:r>
+          </a:p>
+          <a:p>
+            <a:pPr marL="139700" indent="0">
+              <a:buNone/>
+            </a:pPr>
+            <a:endParaRPr lang="en-US" sz="900" b="1" dirty="0">
+              <a:latin typeface="Arial"/>
+              <a:cs typeface="Arial"/>
+            </a:endParaRPr>
+          </a:p>
+          <a:p>
+            <a:pPr marL="139700" indent="0">
+              <a:buNone/>
+            </a:pPr>
+            <a:r>
+              <a:rPr lang="en-US" sz="900" b="1" dirty="0">
+                <a:latin typeface="Arial"/>
+                <a:cs typeface="Arial"/>
+              </a:rPr>
+              <a:t>Service Discovery: </a:t>
+            </a:r>
+            <a:r>
+              <a:rPr lang="en-US" sz="900" dirty="0">
+                <a:latin typeface="Arial"/>
+                <a:cs typeface="Arial"/>
+              </a:rPr>
+              <a:t>Automatically finds targets to monitor</a:t>
+            </a:r>
+          </a:p>
+          <a:p>
+            <a:pPr marL="139700" indent="0">
+              <a:buNone/>
+            </a:pPr>
+            <a:r>
+              <a:rPr lang="en-US" sz="900" dirty="0">
+                <a:latin typeface="Arial"/>
+                <a:cs typeface="Arial"/>
+              </a:rPr>
+              <a:t>Supports: Kubernetes, AWS, file-based, etc.</a:t>
+            </a:r>
+          </a:p>
+          <a:p>
+            <a:pPr marL="139700" indent="0">
+              <a:buNone/>
+            </a:pPr>
+            <a:endParaRPr lang="en-US" sz="900" b="1" dirty="0">
+              <a:latin typeface="Arial"/>
+              <a:cs typeface="Arial"/>
+            </a:endParaRPr>
+          </a:p>
+          <a:p>
+            <a:pPr marL="139700" indent="0">
+              <a:buNone/>
+            </a:pPr>
+            <a:r>
+              <a:rPr lang="en-US" sz="900" b="1" dirty="0">
+                <a:latin typeface="Arial"/>
+                <a:cs typeface="Arial"/>
+              </a:rPr>
+              <a:t>Alert Manager: </a:t>
+            </a:r>
+            <a:r>
+              <a:rPr lang="en-US" sz="900" dirty="0">
+                <a:latin typeface="Arial"/>
+                <a:cs typeface="Arial"/>
+              </a:rPr>
+              <a:t>Handles alerting and routing of notifications</a:t>
+            </a:r>
+          </a:p>
+          <a:p>
+            <a:pPr marL="139700" indent="0">
+              <a:buNone/>
+            </a:pPr>
+            <a:r>
+              <a:rPr lang="en-US" sz="900" dirty="0">
+                <a:latin typeface="Arial"/>
+                <a:cs typeface="Arial"/>
+              </a:rPr>
+              <a:t>Manages: Grouping, routing, silencing, inhibition of alerts</a:t>
+            </a:r>
+          </a:p>
+          <a:p>
+            <a:pPr marL="139700" indent="0">
+              <a:buNone/>
+            </a:pPr>
+            <a:endParaRPr lang="en-US" sz="900" b="1" dirty="0">
+              <a:latin typeface="Arial"/>
+              <a:cs typeface="Arial"/>
+            </a:endParaRPr>
+          </a:p>
+          <a:p>
+            <a:pPr marL="139700" indent="0">
+              <a:buNone/>
+            </a:pPr>
+            <a:r>
+              <a:rPr lang="en-US" sz="900" b="1" dirty="0">
+                <a:latin typeface="Arial"/>
+                <a:cs typeface="Arial"/>
+              </a:rPr>
+              <a:t>Push Gateway: </a:t>
+            </a:r>
+            <a:r>
+              <a:rPr lang="en-US" sz="900" dirty="0">
+                <a:latin typeface="Arial"/>
+                <a:cs typeface="Arial"/>
+              </a:rPr>
+              <a:t>Allows short-lived jobs to push metrics</a:t>
+            </a:r>
+          </a:p>
+          <a:p>
+            <a:pPr marL="139700" indent="0">
+              <a:buNone/>
+            </a:pPr>
+            <a:r>
+              <a:rPr lang="en-US" sz="900" dirty="0">
+                <a:latin typeface="Arial"/>
+                <a:cs typeface="Arial"/>
+              </a:rPr>
+              <a:t>Use case: Batch jobs that exit before being scraped</a:t>
+            </a:r>
+          </a:p>
+          <a:p>
+            <a:pPr>
+              <a:buFontTx/>
+              <a:buChar char="-"/>
+            </a:pPr>
+            <a:endParaRPr lang="en-US" sz="900" dirty="0">
+              <a:latin typeface="Arial"/>
+              <a:cs typeface="Arial"/>
+            </a:endParaRPr>
+          </a:p>
+          <a:p>
+            <a:pPr marL="139700" indent="0">
+              <a:buNone/>
+            </a:pPr>
+            <a:r>
+              <a:rPr lang="en-US" sz="900" b="1" dirty="0" err="1">
+                <a:latin typeface="Arial"/>
+                <a:cs typeface="Arial"/>
+              </a:rPr>
+              <a:t>PromQL</a:t>
+            </a:r>
+            <a:r>
+              <a:rPr lang="en-US" sz="900" b="1" dirty="0">
+                <a:latin typeface="Arial"/>
+                <a:cs typeface="Arial"/>
+              </a:rPr>
+              <a:t> (Query Language): </a:t>
+            </a:r>
+            <a:r>
+              <a:rPr lang="en-US" sz="900" dirty="0">
+                <a:latin typeface="Arial"/>
+                <a:cs typeface="Arial"/>
+              </a:rPr>
+              <a:t>How you query and aggregate time series data</a:t>
+            </a:r>
+          </a:p>
+          <a:p>
+            <a:pPr marL="139700" indent="0">
+              <a:buNone/>
+            </a:pPr>
+            <a:r>
+              <a:rPr lang="en-US" sz="900" dirty="0">
+                <a:latin typeface="Arial"/>
+                <a:cs typeface="Arial"/>
+              </a:rPr>
+              <a:t>e.g.: rate(</a:t>
+            </a:r>
+            <a:r>
+              <a:rPr lang="en-US" sz="900" dirty="0" err="1">
+                <a:latin typeface="Arial"/>
+                <a:cs typeface="Arial"/>
+              </a:rPr>
+              <a:t>http_requests_total</a:t>
+            </a:r>
+            <a:r>
+              <a:rPr lang="en-US" sz="900" dirty="0">
+                <a:latin typeface="Arial"/>
+                <a:cs typeface="Arial"/>
+              </a:rPr>
+              <a:t>[5m])</a:t>
+            </a:r>
+          </a:p>
+          <a:p>
+            <a:pPr>
+              <a:buFontTx/>
+              <a:buChar char="-"/>
+            </a:pPr>
+            <a:endParaRPr lang="en-US" sz="900" dirty="0">
+              <a:latin typeface="Arial"/>
+              <a:cs typeface="Arial"/>
+            </a:endParaRPr>
+          </a:p>
+        </p:txBody>
+      </p:sp>
     </p:spTree>
     <p:extLst>
       <p:ext uri="{BB962C8B-B14F-4D97-AF65-F5344CB8AC3E}">
@@ -17285,385 +17319,6 @@
 </file>
 
 <file path=ppt/slides/slide24.xml><?xml version="1.0" encoding="utf-8"?>
-<p:sld xmlns:a="http://schemas.openxmlformats.org/drawingml/2006/main" xmlns:r="http://schemas.openxmlformats.org/officeDocument/2006/relationships" xmlns:p="http://schemas.openxmlformats.org/presentationml/2006/main">
-  <p:cSld>
-    <p:spTree>
-      <p:nvGrpSpPr>
-        <p:cNvPr id="1" name="Shape 333">
-          <a:extLst>
-            <a:ext uri="{FF2B5EF4-FFF2-40B4-BE49-F238E27FC236}">
-              <a16:creationId xmlns:a16="http://schemas.microsoft.com/office/drawing/2014/main" id="{B0CFA0A1-8F22-4FD6-3A12-3A5E2E792A0D}"/>
-            </a:ext>
-          </a:extLst>
-        </p:cNvPr>
-        <p:cNvGrpSpPr/>
-        <p:nvPr/>
-      </p:nvGrpSpPr>
-      <p:grpSpPr>
-        <a:xfrm>
-          <a:off x="0" y="0"/>
-          <a:ext cx="0" cy="0"/>
-          <a:chOff x="0" y="0"/>
-          <a:chExt cx="0" cy="0"/>
-        </a:xfrm>
-      </p:grpSpPr>
-      <p:sp>
-        <p:nvSpPr>
-          <p:cNvPr id="334" name="Google Shape;334;p58">
-            <a:extLst>
-              <a:ext uri="{FF2B5EF4-FFF2-40B4-BE49-F238E27FC236}">
-                <a16:creationId xmlns:a16="http://schemas.microsoft.com/office/drawing/2014/main" id="{0DF2B5A9-B6BB-D91B-E26D-160734DCBC3E}"/>
-              </a:ext>
-            </a:extLst>
-          </p:cNvPr>
-          <p:cNvSpPr txBox="1">
-            <a:spLocks noGrp="1"/>
-          </p:cNvSpPr>
-          <p:nvPr>
-            <p:ph type="title"/>
-          </p:nvPr>
-        </p:nvSpPr>
-        <p:spPr>
-          <a:xfrm>
-            <a:off x="311700" y="318407"/>
-            <a:ext cx="8520600" cy="613200"/>
-          </a:xfrm>
-          <a:prstGeom prst="rect">
-            <a:avLst/>
-          </a:prstGeom>
-        </p:spPr>
-        <p:txBody>
-          <a:bodyPr spcFirstLastPara="1" wrap="square" lIns="91425" tIns="91425" rIns="91425" bIns="91425" anchor="t" anchorCtr="0">
-            <a:noAutofit/>
-          </a:bodyPr>
-          <a:lstStyle/>
-          <a:p>
-            <a:r>
-              <a:rPr lang="en-IN" dirty="0"/>
-              <a:t>Core Components</a:t>
-            </a:r>
-          </a:p>
-        </p:txBody>
-      </p:sp>
-      <p:sp>
-        <p:nvSpPr>
-          <p:cNvPr id="335" name="Google Shape;335;p58">
-            <a:extLst>
-              <a:ext uri="{FF2B5EF4-FFF2-40B4-BE49-F238E27FC236}">
-                <a16:creationId xmlns:a16="http://schemas.microsoft.com/office/drawing/2014/main" id="{39A07F00-D627-D2F5-D6A9-1BB67B18533B}"/>
-              </a:ext>
-            </a:extLst>
-          </p:cNvPr>
-          <p:cNvSpPr txBox="1">
-            <a:spLocks noGrp="1"/>
-          </p:cNvSpPr>
-          <p:nvPr>
-            <p:ph type="body" idx="1"/>
-          </p:nvPr>
-        </p:nvSpPr>
-        <p:spPr>
-          <a:xfrm>
-            <a:off x="311700" y="1016552"/>
-            <a:ext cx="6432000" cy="3628927"/>
-          </a:xfrm>
-          <a:prstGeom prst="rect">
-            <a:avLst/>
-          </a:prstGeom>
-        </p:spPr>
-        <p:txBody>
-          <a:bodyPr spcFirstLastPara="1" wrap="square" lIns="91425" tIns="91425" rIns="91425" bIns="91425" anchor="t" anchorCtr="0">
-            <a:noAutofit/>
-          </a:bodyPr>
-          <a:lstStyle/>
-          <a:p>
-            <a:pPr marL="139700" indent="0">
-              <a:buNone/>
-            </a:pPr>
-            <a:r>
-              <a:rPr lang="en-US" sz="1100" b="1" dirty="0">
-                <a:latin typeface="Arial"/>
-                <a:cs typeface="Arial"/>
-              </a:rPr>
-              <a:t>1. Prometheus Server: </a:t>
-            </a:r>
-            <a:r>
-              <a:rPr lang="en-US" sz="1100" dirty="0">
-                <a:latin typeface="Arial"/>
-                <a:cs typeface="Arial"/>
-              </a:rPr>
-              <a:t>The central component that scrapes and stores time series data</a:t>
-            </a:r>
-          </a:p>
-          <a:p>
-            <a:pPr marL="139700" indent="0">
-              <a:buNone/>
-            </a:pPr>
-            <a:r>
-              <a:rPr lang="en-US" sz="1100" dirty="0">
-                <a:latin typeface="Arial"/>
-                <a:cs typeface="Arial"/>
-              </a:rPr>
-              <a:t>   - Includes: Data retrieval, storage, </a:t>
-            </a:r>
-            <a:r>
-              <a:rPr lang="en-US" sz="1100" dirty="0" err="1">
-                <a:latin typeface="Arial"/>
-                <a:cs typeface="Arial"/>
-              </a:rPr>
-              <a:t>PromQL</a:t>
-            </a:r>
-            <a:r>
-              <a:rPr lang="en-US" sz="1100" dirty="0">
-                <a:latin typeface="Arial"/>
-                <a:cs typeface="Arial"/>
-              </a:rPr>
-              <a:t> processing</a:t>
-            </a:r>
-          </a:p>
-          <a:p>
-            <a:pPr marL="139700" indent="0">
-              <a:buNone/>
-            </a:pPr>
-            <a:endParaRPr lang="en-US" sz="1100" b="1" dirty="0">
-              <a:latin typeface="Arial"/>
-              <a:cs typeface="Arial"/>
-            </a:endParaRPr>
-          </a:p>
-          <a:p>
-            <a:pPr marL="139700" indent="0">
-              <a:buNone/>
-            </a:pPr>
-            <a:r>
-              <a:rPr lang="en-US" sz="1100" b="1" dirty="0">
-                <a:latin typeface="Arial"/>
-                <a:cs typeface="Arial"/>
-              </a:rPr>
-              <a:t>2. Time Series Database (TSDB): </a:t>
-            </a:r>
-            <a:r>
-              <a:rPr lang="en-US" sz="1100" dirty="0">
-                <a:latin typeface="Arial"/>
-                <a:cs typeface="Arial"/>
-              </a:rPr>
-              <a:t>Where Prometheus stores all the metrics</a:t>
-            </a:r>
-          </a:p>
-          <a:p>
-            <a:pPr marL="139700" indent="0">
-              <a:buNone/>
-            </a:pPr>
-            <a:r>
-              <a:rPr lang="en-US" sz="1100" dirty="0">
-                <a:latin typeface="Arial"/>
-                <a:cs typeface="Arial"/>
-              </a:rPr>
-              <a:t>   - Optimized for time series data with timestamps and values</a:t>
-            </a:r>
-          </a:p>
-          <a:p>
-            <a:pPr marL="139700" indent="0">
-              <a:buNone/>
-            </a:pPr>
-            <a:endParaRPr lang="en-US" sz="1100" b="1" dirty="0">
-              <a:latin typeface="Arial"/>
-              <a:cs typeface="Arial"/>
-            </a:endParaRPr>
-          </a:p>
-          <a:p>
-            <a:pPr marL="139700" indent="0">
-              <a:buNone/>
-            </a:pPr>
-            <a:r>
-              <a:rPr lang="en-US" sz="1100" b="1" dirty="0">
-                <a:latin typeface="Arial"/>
-                <a:cs typeface="Arial"/>
-              </a:rPr>
-              <a:t>3. </a:t>
-            </a:r>
-            <a:r>
-              <a:rPr lang="en-US" sz="1100" b="1" dirty="0" err="1">
-                <a:latin typeface="Arial"/>
-                <a:cs typeface="Arial"/>
-              </a:rPr>
-              <a:t>PromQL</a:t>
-            </a:r>
-            <a:r>
-              <a:rPr lang="en-US" sz="1100" b="1" dirty="0">
-                <a:latin typeface="Arial"/>
-                <a:cs typeface="Arial"/>
-              </a:rPr>
-              <a:t> (Query Language): </a:t>
-            </a:r>
-            <a:r>
-              <a:rPr lang="en-US" sz="1100" dirty="0">
-                <a:latin typeface="Arial"/>
-                <a:cs typeface="Arial"/>
-              </a:rPr>
-              <a:t>How you query and aggregate time series data</a:t>
-            </a:r>
-          </a:p>
-          <a:p>
-            <a:pPr marL="139700" indent="0">
-              <a:buNone/>
-            </a:pPr>
-            <a:r>
-              <a:rPr lang="en-US" sz="1100" dirty="0">
-                <a:latin typeface="Arial"/>
-                <a:cs typeface="Arial"/>
-              </a:rPr>
-              <a:t>   - e.g.: rate(</a:t>
-            </a:r>
-            <a:r>
-              <a:rPr lang="en-US" sz="1100" dirty="0" err="1">
-                <a:latin typeface="Arial"/>
-                <a:cs typeface="Arial"/>
-              </a:rPr>
-              <a:t>http_requests_total</a:t>
-            </a:r>
-            <a:r>
-              <a:rPr lang="en-US" sz="1100" dirty="0">
-                <a:latin typeface="Arial"/>
-                <a:cs typeface="Arial"/>
-              </a:rPr>
-              <a:t>[5m])</a:t>
-            </a:r>
-          </a:p>
-          <a:p>
-            <a:pPr marL="139700" indent="0">
-              <a:buNone/>
-            </a:pPr>
-            <a:endParaRPr lang="en-US" sz="1100" b="1" dirty="0">
-              <a:latin typeface="Arial"/>
-              <a:cs typeface="Arial"/>
-            </a:endParaRPr>
-          </a:p>
-          <a:p>
-            <a:pPr marL="139700" indent="0">
-              <a:buNone/>
-            </a:pPr>
-            <a:r>
-              <a:rPr lang="en-US" sz="1100" b="1" dirty="0">
-                <a:latin typeface="Arial"/>
-                <a:cs typeface="Arial"/>
-              </a:rPr>
-              <a:t>4. Service Discovery: </a:t>
-            </a:r>
-            <a:r>
-              <a:rPr lang="en-US" sz="1100" dirty="0">
-                <a:latin typeface="Arial"/>
-                <a:cs typeface="Arial"/>
-              </a:rPr>
-              <a:t>Automatically finds targets to monitor</a:t>
-            </a:r>
-          </a:p>
-          <a:p>
-            <a:pPr marL="139700" indent="0">
-              <a:buNone/>
-            </a:pPr>
-            <a:r>
-              <a:rPr lang="en-US" sz="1100" dirty="0">
-                <a:latin typeface="Arial"/>
-                <a:cs typeface="Arial"/>
-              </a:rPr>
-              <a:t>   - Supports: Kubernetes, AWS, file-based, etc.</a:t>
-            </a:r>
-          </a:p>
-          <a:p>
-            <a:pPr marL="139700" indent="0">
-              <a:buNone/>
-            </a:pPr>
-            <a:endParaRPr lang="en-US" sz="1100" b="1" dirty="0">
-              <a:latin typeface="Arial"/>
-              <a:cs typeface="Arial"/>
-            </a:endParaRPr>
-          </a:p>
-          <a:p>
-            <a:pPr marL="139700" indent="0">
-              <a:buNone/>
-            </a:pPr>
-            <a:r>
-              <a:rPr lang="en-US" sz="1100" b="1" dirty="0">
-                <a:latin typeface="Arial"/>
-                <a:cs typeface="Arial"/>
-              </a:rPr>
-              <a:t>5. Alert Manager: </a:t>
-            </a:r>
-            <a:r>
-              <a:rPr lang="en-US" sz="1100" dirty="0">
-                <a:latin typeface="Arial"/>
-                <a:cs typeface="Arial"/>
-              </a:rPr>
-              <a:t>Handles alerting and routing of notifications</a:t>
-            </a:r>
-          </a:p>
-          <a:p>
-            <a:pPr marL="139700" indent="0">
-              <a:buNone/>
-            </a:pPr>
-            <a:r>
-              <a:rPr lang="en-US" sz="1100" dirty="0">
-                <a:latin typeface="Arial"/>
-                <a:cs typeface="Arial"/>
-              </a:rPr>
-              <a:t>   - Manages: Grouping, routing, silencing, inhibition of alerts</a:t>
-            </a:r>
-          </a:p>
-          <a:p>
-            <a:pPr marL="139700" indent="0">
-              <a:buNone/>
-            </a:pPr>
-            <a:endParaRPr lang="en-US" sz="1100" b="1" dirty="0">
-              <a:latin typeface="Arial"/>
-              <a:cs typeface="Arial"/>
-            </a:endParaRPr>
-          </a:p>
-          <a:p>
-            <a:pPr marL="139700" indent="0">
-              <a:buNone/>
-            </a:pPr>
-            <a:r>
-              <a:rPr lang="en-US" sz="1100" b="1" dirty="0">
-                <a:latin typeface="Arial"/>
-                <a:cs typeface="Arial"/>
-              </a:rPr>
-              <a:t>6. Push Gateway: </a:t>
-            </a:r>
-            <a:r>
-              <a:rPr lang="en-US" sz="1100" dirty="0">
-                <a:latin typeface="Arial"/>
-                <a:cs typeface="Arial"/>
-              </a:rPr>
-              <a:t>Allows short-lived jobs to push metrics</a:t>
-            </a:r>
-          </a:p>
-          <a:p>
-            <a:pPr marL="139700" indent="0">
-              <a:buNone/>
-            </a:pPr>
-            <a:r>
-              <a:rPr lang="en-US" sz="1100" dirty="0">
-                <a:latin typeface="Arial"/>
-                <a:cs typeface="Arial"/>
-              </a:rPr>
-              <a:t>   - Use case: Batch jobs that exit before being scraped</a:t>
-            </a:r>
-          </a:p>
-        </p:txBody>
-      </p:sp>
-    </p:spTree>
-    <p:extLst>
-      <p:ext uri="{BB962C8B-B14F-4D97-AF65-F5344CB8AC3E}">
-        <p14:creationId xmlns:p14="http://schemas.microsoft.com/office/powerpoint/2010/main" val="1530215208"/>
-      </p:ext>
-    </p:extLst>
-  </p:cSld>
-  <p:clrMapOvr>
-    <a:masterClrMapping/>
-  </p:clrMapOvr>
-</p:sld>
-</file>
-
-<file path=ppt/slides/slide25.xml><?xml version="1.0" encoding="utf-8"?>
 <p:sld xmlns:a="http://schemas.openxmlformats.org/drawingml/2006/main" xmlns:r="http://schemas.openxmlformats.org/officeDocument/2006/relationships" xmlns:p="http://schemas.openxmlformats.org/presentationml/2006/main">
   <p:cSld>
     <p:spTree>
@@ -17975,7 +17630,7 @@
 </p:sld>
 </file>
 
-<file path=ppt/slides/slide26.xml><?xml version="1.0" encoding="utf-8"?>
+<file path=ppt/slides/slide25.xml><?xml version="1.0" encoding="utf-8"?>
 <p:sld xmlns:a="http://schemas.openxmlformats.org/drawingml/2006/main" xmlns:r="http://schemas.openxmlformats.org/officeDocument/2006/relationships" xmlns:p="http://schemas.openxmlformats.org/presentationml/2006/main">
   <p:cSld>
     <p:spTree>
@@ -18221,7 +17876,7 @@
 </p:sld>
 </file>
 
-<file path=ppt/slides/slide27.xml><?xml version="1.0" encoding="utf-8"?>
+<file path=ppt/slides/slide26.xml><?xml version="1.0" encoding="utf-8"?>
 <p:sld xmlns:a="http://schemas.openxmlformats.org/drawingml/2006/main" xmlns:r="http://schemas.openxmlformats.org/officeDocument/2006/relationships" xmlns:p="http://schemas.openxmlformats.org/presentationml/2006/main">
   <p:cSld>
     <p:spTree>
@@ -18557,7 +18212,7 @@
 </p:sld>
 </file>
 
-<file path=ppt/slides/slide28.xml><?xml version="1.0" encoding="utf-8"?>
+<file path=ppt/slides/slide27.xml><?xml version="1.0" encoding="utf-8"?>
 <p:sld xmlns:a="http://schemas.openxmlformats.org/drawingml/2006/main" xmlns:r="http://schemas.openxmlformats.org/officeDocument/2006/relationships" xmlns:p="http://schemas.openxmlformats.org/presentationml/2006/main">
   <p:cSld>
     <p:spTree>
@@ -18693,417 +18348,7 @@
 </p:sld>
 </file>
 
-<file path=ppt/slides/slide29.xml><?xml version="1.0" encoding="utf-8"?>
-<p:sld xmlns:a="http://schemas.openxmlformats.org/drawingml/2006/main" xmlns:r="http://schemas.openxmlformats.org/officeDocument/2006/relationships" xmlns:p="http://schemas.openxmlformats.org/presentationml/2006/main">
-  <p:cSld>
-    <p:spTree>
-      <p:nvGrpSpPr>
-        <p:cNvPr id="1" name="Shape 333">
-          <a:extLst>
-            <a:ext uri="{FF2B5EF4-FFF2-40B4-BE49-F238E27FC236}">
-              <a16:creationId xmlns:a16="http://schemas.microsoft.com/office/drawing/2014/main" id="{FB3DBF6E-C26A-DC0F-BA13-A269F758EA51}"/>
-            </a:ext>
-          </a:extLst>
-        </p:cNvPr>
-        <p:cNvGrpSpPr/>
-        <p:nvPr/>
-      </p:nvGrpSpPr>
-      <p:grpSpPr>
-        <a:xfrm>
-          <a:off x="0" y="0"/>
-          <a:ext cx="0" cy="0"/>
-          <a:chOff x="0" y="0"/>
-          <a:chExt cx="0" cy="0"/>
-        </a:xfrm>
-      </p:grpSpPr>
-      <p:sp>
-        <p:nvSpPr>
-          <p:cNvPr id="334" name="Google Shape;334;p58">
-            <a:extLst>
-              <a:ext uri="{FF2B5EF4-FFF2-40B4-BE49-F238E27FC236}">
-                <a16:creationId xmlns:a16="http://schemas.microsoft.com/office/drawing/2014/main" id="{03279030-61F8-C825-13BC-A53030729413}"/>
-              </a:ext>
-            </a:extLst>
-          </p:cNvPr>
-          <p:cNvSpPr txBox="1">
-            <a:spLocks noGrp="1"/>
-          </p:cNvSpPr>
-          <p:nvPr>
-            <p:ph type="title"/>
-          </p:nvPr>
-        </p:nvSpPr>
-        <p:spPr>
-          <a:xfrm>
-            <a:off x="311700" y="445025"/>
-            <a:ext cx="8520600" cy="613200"/>
-          </a:xfrm>
-          <a:prstGeom prst="rect">
-            <a:avLst/>
-          </a:prstGeom>
-        </p:spPr>
-        <p:txBody>
-          <a:bodyPr spcFirstLastPara="1" wrap="square" lIns="91425" tIns="91425" rIns="91425" bIns="91425" anchor="t" anchorCtr="0">
-            <a:noAutofit/>
-          </a:bodyPr>
-          <a:lstStyle/>
-          <a:p>
-            <a:r>
-              <a:rPr lang="en-IN" dirty="0"/>
-              <a:t>Sample </a:t>
-            </a:r>
-            <a:r>
-              <a:rPr lang="en-IN" dirty="0" err="1"/>
-              <a:t>PromQL</a:t>
-            </a:r>
-            <a:r>
-              <a:rPr lang="en-IN" dirty="0"/>
-              <a:t> Queries on Windows</a:t>
-            </a:r>
-          </a:p>
-        </p:txBody>
-      </p:sp>
-      <p:sp>
-        <p:nvSpPr>
-          <p:cNvPr id="335" name="Google Shape;335;p58">
-            <a:extLst>
-              <a:ext uri="{FF2B5EF4-FFF2-40B4-BE49-F238E27FC236}">
-                <a16:creationId xmlns:a16="http://schemas.microsoft.com/office/drawing/2014/main" id="{4009A35D-B6A0-B103-71CB-996F3635D18D}"/>
-              </a:ext>
-            </a:extLst>
-          </p:cNvPr>
-          <p:cNvSpPr txBox="1">
-            <a:spLocks noGrp="1"/>
-          </p:cNvSpPr>
-          <p:nvPr>
-            <p:ph type="body" idx="1"/>
-          </p:nvPr>
-        </p:nvSpPr>
-        <p:spPr>
-          <a:xfrm>
-            <a:off x="311701" y="1171675"/>
-            <a:ext cx="8293457" cy="3653418"/>
-          </a:xfrm>
-          <a:prstGeom prst="rect">
-            <a:avLst/>
-          </a:prstGeom>
-        </p:spPr>
-        <p:txBody>
-          <a:bodyPr spcFirstLastPara="1" wrap="square" lIns="91425" tIns="91425" rIns="91425" bIns="91425" anchor="t" anchorCtr="0">
-            <a:noAutofit/>
-          </a:bodyPr>
-          <a:lstStyle/>
-          <a:p>
-            <a:pPr marL="139700" indent="0">
-              <a:buNone/>
-            </a:pPr>
-            <a:r>
-              <a:rPr lang="en-US" sz="1100" b="1" dirty="0">
-                <a:latin typeface="Arial"/>
-                <a:cs typeface="Arial"/>
-              </a:rPr>
-              <a:t>CPU Usage:</a:t>
-            </a:r>
-          </a:p>
-          <a:p>
-            <a:pPr marL="139700" indent="0">
-              <a:buNone/>
-            </a:pPr>
-            <a:endParaRPr lang="en-US" sz="1100" b="1" dirty="0">
-              <a:latin typeface="Arial"/>
-              <a:cs typeface="Arial"/>
-            </a:endParaRPr>
-          </a:p>
-          <a:p>
-            <a:pPr marL="139700" indent="0">
-              <a:buNone/>
-            </a:pPr>
-            <a:r>
-              <a:rPr lang="en-IN" sz="1100" dirty="0">
-                <a:latin typeface="Arial"/>
-                <a:cs typeface="Arial"/>
-              </a:rPr>
-              <a:t># Node CPU Usage Percentage</a:t>
-            </a:r>
-          </a:p>
-          <a:p>
-            <a:pPr marL="139700" indent="0">
-              <a:buNone/>
-            </a:pPr>
-            <a:r>
-              <a:rPr lang="en-IN" sz="1100" dirty="0">
-                <a:latin typeface="Arial"/>
-                <a:cs typeface="Arial"/>
-              </a:rPr>
-              <a:t>100 - (</a:t>
-            </a:r>
-            <a:r>
-              <a:rPr lang="en-IN" sz="1100" dirty="0" err="1">
-                <a:latin typeface="Arial"/>
-                <a:cs typeface="Arial"/>
-              </a:rPr>
-              <a:t>avg</a:t>
-            </a:r>
-            <a:r>
-              <a:rPr lang="en-IN" sz="1100" dirty="0">
-                <a:latin typeface="Arial"/>
-                <a:cs typeface="Arial"/>
-              </a:rPr>
-              <a:t> by(instance) (rate(</a:t>
-            </a:r>
-            <a:r>
-              <a:rPr lang="en-IN" sz="1100" dirty="0" err="1">
-                <a:latin typeface="Arial"/>
-                <a:cs typeface="Arial"/>
-              </a:rPr>
-              <a:t>node_cpu_seconds_total</a:t>
-            </a:r>
-            <a:r>
-              <a:rPr lang="en-IN" sz="1100" dirty="0">
-                <a:latin typeface="Arial"/>
-                <a:cs typeface="Arial"/>
-              </a:rPr>
-              <a:t>{mode="idle"}[5m])) * 100)</a:t>
-            </a:r>
-          </a:p>
-          <a:p>
-            <a:pPr marL="139700" indent="0">
-              <a:buNone/>
-            </a:pPr>
-            <a:endParaRPr lang="en-IN" sz="1100" dirty="0">
-              <a:latin typeface="Arial"/>
-              <a:cs typeface="Arial"/>
-            </a:endParaRPr>
-          </a:p>
-          <a:p>
-            <a:pPr marL="139700" indent="0">
-              <a:buNone/>
-            </a:pPr>
-            <a:r>
-              <a:rPr lang="en-IN" sz="1100" dirty="0">
-                <a:latin typeface="Arial"/>
-                <a:cs typeface="Arial"/>
-              </a:rPr>
-              <a:t># Top 5 Pods by CPU Usage</a:t>
-            </a:r>
-          </a:p>
-          <a:p>
-            <a:pPr marL="139700" indent="0">
-              <a:buNone/>
-            </a:pPr>
-            <a:r>
-              <a:rPr lang="en-IN" sz="1100" dirty="0" err="1">
-                <a:latin typeface="Arial"/>
-                <a:cs typeface="Arial"/>
-              </a:rPr>
-              <a:t>topk</a:t>
-            </a:r>
-            <a:r>
-              <a:rPr lang="en-IN" sz="1100" dirty="0">
-                <a:latin typeface="Arial"/>
-                <a:cs typeface="Arial"/>
-              </a:rPr>
-              <a:t>(5, sum(rate(</a:t>
-            </a:r>
-            <a:r>
-              <a:rPr lang="en-IN" sz="1100" dirty="0" err="1">
-                <a:latin typeface="Arial"/>
-                <a:cs typeface="Arial"/>
-              </a:rPr>
-              <a:t>container_cpu_usage_seconds_total</a:t>
-            </a:r>
-            <a:r>
-              <a:rPr lang="en-IN" sz="1100" dirty="0">
-                <a:latin typeface="Arial"/>
-                <a:cs typeface="Arial"/>
-              </a:rPr>
-              <a:t>{container!=""}[5m])) by (pod))</a:t>
-            </a:r>
-            <a:endParaRPr lang="en-US" sz="1100" b="1" dirty="0">
-              <a:latin typeface="Arial"/>
-              <a:cs typeface="Arial"/>
-            </a:endParaRPr>
-          </a:p>
-          <a:p>
-            <a:pPr marL="139700" indent="0">
-              <a:buNone/>
-            </a:pPr>
-            <a:endParaRPr lang="en-US" sz="1100" b="1" dirty="0">
-              <a:latin typeface="Arial"/>
-              <a:cs typeface="Arial"/>
-            </a:endParaRPr>
-          </a:p>
-          <a:p>
-            <a:pPr marL="139700" indent="0">
-              <a:buNone/>
-            </a:pPr>
-            <a:r>
-              <a:rPr lang="en-IN" sz="1100" b="1" dirty="0">
-                <a:latin typeface="Arial"/>
-                <a:cs typeface="Arial"/>
-              </a:rPr>
-              <a:t>Memory Usage:</a:t>
-            </a:r>
-          </a:p>
-          <a:p>
-            <a:pPr marL="139700" indent="0">
-              <a:buNone/>
-            </a:pPr>
-            <a:endParaRPr lang="en-IN" sz="1100" b="1" dirty="0">
-              <a:latin typeface="Arial"/>
-              <a:cs typeface="Arial"/>
-            </a:endParaRPr>
-          </a:p>
-          <a:p>
-            <a:pPr marL="139700" indent="0">
-              <a:buNone/>
-            </a:pPr>
-            <a:r>
-              <a:rPr lang="en-IN" sz="1100" dirty="0">
-                <a:latin typeface="Arial"/>
-                <a:cs typeface="Arial"/>
-              </a:rPr>
-              <a:t># Node Memory Usage Percentage</a:t>
-            </a:r>
-          </a:p>
-          <a:p>
-            <a:pPr marL="139700" indent="0">
-              <a:buNone/>
-            </a:pPr>
-            <a:r>
-              <a:rPr lang="en-IN" sz="1100" dirty="0">
-                <a:latin typeface="Arial"/>
-                <a:cs typeface="Arial"/>
-              </a:rPr>
-              <a:t>(1 - (</a:t>
-            </a:r>
-            <a:r>
-              <a:rPr lang="en-IN" sz="1100" dirty="0" err="1">
-                <a:latin typeface="Arial"/>
-                <a:cs typeface="Arial"/>
-              </a:rPr>
-              <a:t>node_memory_MemAvailable_bytes</a:t>
-            </a:r>
-            <a:r>
-              <a:rPr lang="en-IN" sz="1100" dirty="0">
-                <a:latin typeface="Arial"/>
-                <a:cs typeface="Arial"/>
-              </a:rPr>
-              <a:t> / </a:t>
-            </a:r>
-            <a:r>
-              <a:rPr lang="en-IN" sz="1100" dirty="0" err="1">
-                <a:latin typeface="Arial"/>
-                <a:cs typeface="Arial"/>
-              </a:rPr>
-              <a:t>node_memory_MemTotal_bytes</a:t>
-            </a:r>
-            <a:r>
-              <a:rPr lang="en-IN" sz="1100" dirty="0">
-                <a:latin typeface="Arial"/>
-                <a:cs typeface="Arial"/>
-              </a:rPr>
-              <a:t>)) * 100</a:t>
-            </a:r>
-          </a:p>
-        </p:txBody>
-      </p:sp>
-    </p:spTree>
-    <p:extLst>
-      <p:ext uri="{BB962C8B-B14F-4D97-AF65-F5344CB8AC3E}">
-        <p14:creationId xmlns:p14="http://schemas.microsoft.com/office/powerpoint/2010/main" val="3637841028"/>
-      </p:ext>
-    </p:extLst>
-  </p:cSld>
-  <p:clrMapOvr>
-    <a:masterClrMapping/>
-  </p:clrMapOvr>
-</p:sld>
-</file>
-
-<file path=ppt/slides/slide3.xml><?xml version="1.0" encoding="utf-8"?>
-<p:sld xmlns:a="http://schemas.openxmlformats.org/drawingml/2006/main" xmlns:r="http://schemas.openxmlformats.org/officeDocument/2006/relationships" xmlns:p="http://schemas.openxmlformats.org/presentationml/2006/main">
-  <p:cSld>
-    <p:spTree>
-      <p:nvGrpSpPr>
-        <p:cNvPr id="1" name="Shape 273"/>
-        <p:cNvGrpSpPr/>
-        <p:nvPr/>
-      </p:nvGrpSpPr>
-      <p:grpSpPr>
-        <a:xfrm>
-          <a:off x="0" y="0"/>
-          <a:ext cx="0" cy="0"/>
-          <a:chOff x="0" y="0"/>
-          <a:chExt cx="0" cy="0"/>
-        </a:xfrm>
-      </p:grpSpPr>
-      <p:sp>
-        <p:nvSpPr>
-          <p:cNvPr id="274" name="Google Shape;274;p48"/>
-          <p:cNvSpPr txBox="1">
-            <a:spLocks noGrp="1"/>
-          </p:cNvSpPr>
-          <p:nvPr>
-            <p:ph type="ctrTitle"/>
-          </p:nvPr>
-        </p:nvSpPr>
-        <p:spPr>
-          <a:xfrm>
-            <a:off x="512700" y="1893300"/>
-            <a:ext cx="8118600" cy="1522800"/>
-          </a:xfrm>
-          <a:prstGeom prst="rect">
-            <a:avLst/>
-          </a:prstGeom>
-        </p:spPr>
-        <p:txBody>
-          <a:bodyPr spcFirstLastPara="1" wrap="square" lIns="91425" tIns="91425" rIns="91425" bIns="91425" anchor="b" anchorCtr="0">
-            <a:noAutofit/>
-          </a:bodyPr>
-          <a:lstStyle/>
-          <a:p>
-            <a:r>
-              <a:rPr lang="en" dirty="0"/>
-              <a:t>AWS Cloudwatch</a:t>
-            </a:r>
-            <a:endParaRPr dirty="0"/>
-          </a:p>
-        </p:txBody>
-      </p:sp>
-      <p:sp>
-        <p:nvSpPr>
-          <p:cNvPr id="3" name="Subtitle 2">
-            <a:extLst>
-              <a:ext uri="{FF2B5EF4-FFF2-40B4-BE49-F238E27FC236}">
-                <a16:creationId xmlns:a16="http://schemas.microsoft.com/office/drawing/2014/main" id="{7FD18D20-9680-ABA3-FC06-34F7DF3A531E}"/>
-              </a:ext>
-            </a:extLst>
-          </p:cNvPr>
-          <p:cNvSpPr>
-            <a:spLocks noGrp="1"/>
-          </p:cNvSpPr>
-          <p:nvPr>
-            <p:ph type="subTitle" idx="1"/>
-          </p:nvPr>
-        </p:nvSpPr>
-        <p:spPr/>
-        <p:txBody>
-          <a:bodyPr/>
-          <a:lstStyle/>
-          <a:p>
-            <a:endParaRPr lang="en-IN"/>
-          </a:p>
-        </p:txBody>
-      </p:sp>
-    </p:spTree>
-  </p:cSld>
-  <p:clrMapOvr>
-    <a:masterClrMapping/>
-  </p:clrMapOvr>
-</p:sld>
-</file>
-
-<file path=ppt/slides/slide30.xml><?xml version="1.0" encoding="utf-8"?>
+<file path=ppt/slides/slide28.xml><?xml version="1.0" encoding="utf-8"?>
 <p:sld xmlns:a="http://schemas.openxmlformats.org/drawingml/2006/main" xmlns:r="http://schemas.openxmlformats.org/officeDocument/2006/relationships" xmlns:p="http://schemas.openxmlformats.org/presentationml/2006/main">
   <p:cSld>
     <p:spTree>
@@ -19144,7 +18389,7 @@
         </p:nvSpPr>
         <p:spPr>
           <a:xfrm>
-            <a:off x="311700" y="445025"/>
+            <a:off x="311700" y="318407"/>
             <a:ext cx="8520600" cy="613200"/>
           </a:xfrm>
           <a:prstGeom prst="rect">
@@ -19182,8 +18427,8 @@
         </p:nvSpPr>
         <p:spPr>
           <a:xfrm>
-            <a:off x="311701" y="1171675"/>
-            <a:ext cx="8293457" cy="3653418"/>
+            <a:off x="311700" y="1036863"/>
+            <a:ext cx="8520600" cy="3967843"/>
           </a:xfrm>
           <a:prstGeom prst="rect">
             <a:avLst/>
@@ -19224,7 +18469,7 @@
                 <a:latin typeface="Arial"/>
                 <a:cs typeface="Arial"/>
               </a:rPr>
-              <a:t>API Server: </a:t>
+              <a:t>1.) API Server: </a:t>
             </a:r>
             <a:r>
               <a:rPr lang="en-US" sz="1100" dirty="0">
@@ -19239,11 +18484,67 @@
               <a:buNone/>
             </a:pPr>
             <a:r>
+              <a:rPr lang="en-US" sz="1050" dirty="0" err="1">
+                <a:latin typeface="Arial"/>
+                <a:cs typeface="Arial"/>
+              </a:rPr>
+              <a:t>e.g</a:t>
+            </a:r>
+            <a:r>
+              <a:rPr lang="en-US" sz="1050" dirty="0">
+                <a:latin typeface="Arial"/>
+                <a:cs typeface="Arial"/>
+              </a:rPr>
+              <a:t>: API server request: </a:t>
+            </a:r>
+            <a:r>
+              <a:rPr lang="en-US" sz="1050" dirty="0" err="1">
+                <a:latin typeface="Arial"/>
+                <a:cs typeface="Arial"/>
+              </a:rPr>
+              <a:t>ratesum</a:t>
+            </a:r>
+            <a:r>
+              <a:rPr lang="en-US" sz="1050" dirty="0">
+                <a:latin typeface="Arial"/>
+                <a:cs typeface="Arial"/>
+              </a:rPr>
+              <a:t>(rate(</a:t>
+            </a:r>
+            <a:r>
+              <a:rPr lang="en-US" sz="1050" dirty="0" err="1">
+                <a:latin typeface="Arial"/>
+                <a:cs typeface="Arial"/>
+              </a:rPr>
+              <a:t>apiserver_request_total</a:t>
+            </a:r>
+            <a:r>
+              <a:rPr lang="en-US" sz="1050" dirty="0">
+                <a:latin typeface="Arial"/>
+                <a:cs typeface="Arial"/>
+              </a:rPr>
+              <a:t>[5m])) by (code, resource)</a:t>
+            </a:r>
+          </a:p>
+          <a:p>
+            <a:pPr marL="139700" indent="0">
+              <a:buNone/>
+            </a:pPr>
+            <a:endParaRPr lang="en-US" sz="1100" b="1" dirty="0">
+              <a:latin typeface="Arial"/>
+              <a:cs typeface="Arial"/>
+            </a:endParaRPr>
+          </a:p>
+          <a:p>
+            <a:pPr marL="139700" indent="0">
+              <a:buNone/>
+            </a:pPr>
+            <a:r>
               <a:rPr lang="en-US" sz="1100" b="1" dirty="0">
                 <a:latin typeface="Arial"/>
                 <a:cs typeface="Arial"/>
               </a:rPr>
-              <a:t>Nodes: </a:t>
+              <a:t>2.) Nodes: </a:t>
             </a:r>
             <a:r>
               <a:rPr lang="en-US" sz="1100" dirty="0">
@@ -19258,11 +18559,46 @@
               <a:buNone/>
             </a:pPr>
             <a:r>
+              <a:rPr lang="en-US" sz="1100" dirty="0">
+                <a:latin typeface="Arial"/>
+                <a:cs typeface="Arial"/>
+              </a:rPr>
+              <a:t>e.g.: CPU usage by node: 100 - (avg by (instance) (rate(</a:t>
+            </a:r>
+            <a:r>
+              <a:rPr lang="en-US" sz="1100" dirty="0" err="1">
+                <a:latin typeface="Arial"/>
+                <a:cs typeface="Arial"/>
+              </a:rPr>
+              <a:t>node_cpu_seconds_total</a:t>
+            </a:r>
+            <a:r>
+              <a:rPr lang="en-US" sz="1100" dirty="0">
+                <a:latin typeface="Arial"/>
+                <a:cs typeface="Arial"/>
+              </a:rPr>
+              <a:t>{mode="idle"}[5m])) * 100)</a:t>
+            </a:r>
+          </a:p>
+          <a:p>
+            <a:pPr marL="139700" indent="0">
+              <a:buNone/>
+            </a:pPr>
+            <a:endParaRPr lang="en-US" sz="1100" b="1" dirty="0">
+              <a:latin typeface="Arial"/>
+              <a:cs typeface="Arial"/>
+            </a:endParaRPr>
+          </a:p>
+          <a:p>
+            <a:pPr marL="139700" indent="0">
+              <a:buNone/>
+            </a:pPr>
+            <a:r>
               <a:rPr lang="en-US" sz="1100" b="1" dirty="0">
                 <a:latin typeface="Arial"/>
                 <a:cs typeface="Arial"/>
               </a:rPr>
-              <a:t>Pods: </a:t>
+              <a:t>3.) Pods: </a:t>
             </a:r>
             <a:r>
               <a:rPr lang="en-US" sz="1100" dirty="0">
@@ -19304,6 +18640,69 @@
               <a:buNone/>
             </a:pPr>
             <a:r>
+              <a:rPr lang="en-US" sz="1100" dirty="0" err="1">
+                <a:latin typeface="Arial"/>
+                <a:cs typeface="Arial"/>
+              </a:rPr>
+              <a:t>e.g</a:t>
+            </a:r>
+            <a:r>
+              <a:rPr lang="en-US" sz="1100" dirty="0">
+                <a:latin typeface="Arial"/>
+                <a:cs typeface="Arial"/>
+              </a:rPr>
+              <a:t>: HTTP request rate for annotated pods: sum(rate(</a:t>
+            </a:r>
+            <a:r>
+              <a:rPr lang="en-US" sz="1100" dirty="0" err="1">
+                <a:latin typeface="Arial"/>
+                <a:cs typeface="Arial"/>
+              </a:rPr>
+              <a:t>http_requests_total</a:t>
+            </a:r>
+            <a:r>
+              <a:rPr lang="en-US" sz="1100" dirty="0">
+                <a:latin typeface="Arial"/>
+                <a:cs typeface="Arial"/>
+              </a:rPr>
+              <a:t>{</a:t>
+            </a:r>
+            <a:r>
+              <a:rPr lang="en-US" sz="1100" dirty="0" err="1">
+                <a:latin typeface="Arial"/>
+                <a:cs typeface="Arial"/>
+              </a:rPr>
+              <a:t>kubernetes_pod_name</a:t>
+            </a:r>
+            <a:r>
+              <a:rPr lang="en-US" sz="1100" dirty="0">
+                <a:latin typeface="Arial"/>
+                <a:cs typeface="Arial"/>
+              </a:rPr>
+              <a:t>=~"my-app-.+"}[5m])) by (pod, path)</a:t>
+            </a:r>
+          </a:p>
+          <a:p>
+            <a:pPr marL="139700" indent="0">
+              <a:buNone/>
+            </a:pPr>
+            <a:endParaRPr lang="en-US" sz="1100" b="1" dirty="0">
+              <a:latin typeface="Arial"/>
+              <a:cs typeface="Arial"/>
+            </a:endParaRPr>
+          </a:p>
+          <a:p>
+            <a:pPr marL="139700" indent="0">
+              <a:buNone/>
+            </a:pPr>
+            <a:r>
+              <a:rPr lang="en-US" sz="1100" b="1" dirty="0">
+                <a:latin typeface="Arial"/>
+                <a:cs typeface="Arial"/>
+              </a:rPr>
+              <a:t>4.) </a:t>
+            </a:r>
+            <a:r>
               <a:rPr lang="en-US" sz="1100" b="1" dirty="0" err="1">
                 <a:latin typeface="Arial"/>
                 <a:cs typeface="Arial"/>
@@ -19330,25 +18729,100 @@
               <a:buNone/>
             </a:pPr>
             <a:r>
-              <a:rPr lang="en-US" sz="1100" b="1" dirty="0" err="1">
+              <a:rPr lang="en-US" sz="1100" dirty="0">
+                <a:latin typeface="Arial"/>
+                <a:cs typeface="Arial"/>
+              </a:rPr>
+              <a:t>e.g.: Container CPU usage: sum(rate(</a:t>
+            </a:r>
+            <a:r>
+              <a:rPr lang="en-US" sz="1100" dirty="0" err="1">
+                <a:latin typeface="Arial"/>
+                <a:cs typeface="Arial"/>
+              </a:rPr>
+              <a:t>container_cpu_usage_seconds_total</a:t>
+            </a:r>
+            <a:r>
+              <a:rPr lang="en-US" sz="1100" dirty="0">
+                <a:latin typeface="Arial"/>
+                <a:cs typeface="Arial"/>
+              </a:rPr>
+              <a:t>{container!="POD", container!=""}[5m])) by (pod, container)</a:t>
+            </a:r>
+          </a:p>
+          <a:p>
+            <a:pPr marL="139700" indent="0">
+              <a:buNone/>
+            </a:pPr>
+            <a:endParaRPr lang="en-US" sz="1100" b="1" dirty="0">
+              <a:latin typeface="Arial"/>
+              <a:cs typeface="Arial"/>
+            </a:endParaRPr>
+          </a:p>
+          <a:p>
+            <a:pPr marL="139700" indent="0">
+              <a:buNone/>
+            </a:pPr>
+            <a:r>
+              <a:rPr lang="en-US" sz="1100" b="1" dirty="0">
+                <a:latin typeface="Arial"/>
+                <a:cs typeface="Arial"/>
+              </a:rPr>
+              <a:t>5.) Object state: </a:t>
+            </a:r>
+            <a:r>
+              <a:rPr lang="en-US" sz="1100" dirty="0">
+                <a:latin typeface="Arial"/>
+                <a:cs typeface="Arial"/>
+              </a:rPr>
+              <a:t>Metrices using </a:t>
+            </a:r>
+            <a:r>
+              <a:rPr lang="en-US" sz="1100" dirty="0" err="1">
                 <a:latin typeface="Arial"/>
                 <a:cs typeface="Arial"/>
               </a:rPr>
               <a:t>kube</a:t>
             </a:r>
             <a:r>
-              <a:rPr lang="en-US" sz="1100" b="1" dirty="0">
-                <a:latin typeface="Arial"/>
-                <a:cs typeface="Arial"/>
-              </a:rPr>
-              <a:t>-state-metrics: </a:t>
-            </a:r>
-            <a:r>
               <a:rPr lang="en-US" sz="1100" dirty="0">
                 <a:latin typeface="Arial"/>
                 <a:cs typeface="Arial"/>
               </a:rPr>
-              <a:t>Object state metrics</a:t>
+              <a:t>-state-metrics exporter</a:t>
+            </a:r>
+          </a:p>
+          <a:p>
+            <a:pPr marL="139700" indent="0">
+              <a:buNone/>
+            </a:pPr>
+            <a:r>
+              <a:rPr lang="en-US" sz="1100" dirty="0" err="1">
+                <a:latin typeface="Arial"/>
+                <a:cs typeface="Arial"/>
+              </a:rPr>
+              <a:t>e.g</a:t>
+            </a:r>
+            <a:r>
+              <a:rPr lang="en-US" sz="1100" dirty="0">
+                <a:latin typeface="Arial"/>
+                <a:cs typeface="Arial"/>
+              </a:rPr>
+              <a:t>: Count of pods by status phase: sum(</a:t>
+            </a:r>
+            <a:r>
+              <a:rPr lang="en-US" sz="1100" dirty="0" err="1">
+                <a:latin typeface="Arial"/>
+                <a:cs typeface="Arial"/>
+              </a:rPr>
+              <a:t>kube_pod_status_phase</a:t>
+            </a:r>
+            <a:r>
+              <a:rPr lang="en-US" sz="1100" dirty="0">
+                <a:latin typeface="Arial"/>
+                <a:cs typeface="Arial"/>
+              </a:rPr>
+              <a:t>) by (phase)</a:t>
             </a:r>
             <a:endParaRPr lang="en-IN" sz="1100" dirty="0">
               <a:latin typeface="Arial"/>
@@ -19370,7 +18844,7 @@
 </p:sld>
 </file>
 
-<file path=ppt/slides/slide31.xml><?xml version="1.0" encoding="utf-8"?>
+<file path=ppt/slides/slide29.xml><?xml version="1.0" encoding="utf-8"?>
 <p:sld xmlns:a="http://schemas.openxmlformats.org/drawingml/2006/main" xmlns:r="http://schemas.openxmlformats.org/officeDocument/2006/relationships" xmlns:p="http://schemas.openxmlformats.org/presentationml/2006/main">
   <p:cSld>
     <p:spTree>
@@ -19482,7 +18956,7 @@
                 <a:latin typeface="Arial"/>
                 <a:cs typeface="Arial"/>
               </a:rPr>
-              <a:t>Deploy node-exporter as DaemonSet</a:t>
+              <a:t>Deploy node-exporter</a:t>
             </a:r>
           </a:p>
           <a:p>
@@ -19689,7 +19163,90 @@
 </p:sld>
 </file>
 
-<file path=ppt/slides/slide32.xml><?xml version="1.0" encoding="utf-8"?>
+<file path=ppt/slides/slide3.xml><?xml version="1.0" encoding="utf-8"?>
+<p:sld xmlns:a="http://schemas.openxmlformats.org/drawingml/2006/main" xmlns:r="http://schemas.openxmlformats.org/officeDocument/2006/relationships" xmlns:p="http://schemas.openxmlformats.org/presentationml/2006/main">
+  <p:cSld>
+    <p:spTree>
+      <p:nvGrpSpPr>
+        <p:cNvPr id="1" name="Shape 273"/>
+        <p:cNvGrpSpPr/>
+        <p:nvPr/>
+      </p:nvGrpSpPr>
+      <p:grpSpPr>
+        <a:xfrm>
+          <a:off x="0" y="0"/>
+          <a:ext cx="0" cy="0"/>
+          <a:chOff x="0" y="0"/>
+          <a:chExt cx="0" cy="0"/>
+        </a:xfrm>
+      </p:grpSpPr>
+      <p:sp>
+        <p:nvSpPr>
+          <p:cNvPr id="274" name="Google Shape;274;p48"/>
+          <p:cNvSpPr txBox="1">
+            <a:spLocks noGrp="1"/>
+          </p:cNvSpPr>
+          <p:nvPr>
+            <p:ph type="ctrTitle"/>
+          </p:nvPr>
+        </p:nvSpPr>
+        <p:spPr>
+          <a:xfrm>
+            <a:off x="512700" y="1893300"/>
+            <a:ext cx="8118600" cy="1522800"/>
+          </a:xfrm>
+          <a:prstGeom prst="rect">
+            <a:avLst/>
+          </a:prstGeom>
+        </p:spPr>
+        <p:txBody>
+          <a:bodyPr spcFirstLastPara="1" wrap="square" lIns="91425" tIns="91425" rIns="91425" bIns="91425" anchor="b" anchorCtr="0">
+            <a:noAutofit/>
+          </a:bodyPr>
+          <a:lstStyle/>
+          <a:p>
+            <a:r>
+              <a:rPr lang="en" dirty="0"/>
+              <a:t>AWS Cloudwatch</a:t>
+            </a:r>
+            <a:endParaRPr dirty="0"/>
+          </a:p>
+        </p:txBody>
+      </p:sp>
+      <p:sp>
+        <p:nvSpPr>
+          <p:cNvPr id="3" name="Subtitle 2">
+            <a:extLst>
+              <a:ext uri="{FF2B5EF4-FFF2-40B4-BE49-F238E27FC236}">
+                <a16:creationId xmlns:a16="http://schemas.microsoft.com/office/drawing/2014/main" id="{7FD18D20-9680-ABA3-FC06-34F7DF3A531E}"/>
+              </a:ext>
+            </a:extLst>
+          </p:cNvPr>
+          <p:cNvSpPr>
+            <a:spLocks noGrp="1"/>
+          </p:cNvSpPr>
+          <p:nvPr>
+            <p:ph type="subTitle" idx="1"/>
+          </p:nvPr>
+        </p:nvSpPr>
+        <p:spPr/>
+        <p:txBody>
+          <a:bodyPr/>
+          <a:lstStyle/>
+          <a:p>
+            <a:endParaRPr lang="en-IN"/>
+          </a:p>
+        </p:txBody>
+      </p:sp>
+    </p:spTree>
+  </p:cSld>
+  <p:clrMapOvr>
+    <a:masterClrMapping/>
+  </p:clrMapOvr>
+</p:sld>
+</file>
+
+<file path=ppt/slides/slide30.xml><?xml version="1.0" encoding="utf-8"?>
 <p:sld xmlns:a="http://schemas.openxmlformats.org/drawingml/2006/main" xmlns:r="http://schemas.openxmlformats.org/officeDocument/2006/relationships" xmlns:p="http://schemas.openxmlformats.org/presentationml/2006/main">
   <p:cSld>
     <p:spTree>
@@ -20097,7 +19654,7 @@
 </p:sld>
 </file>
 
-<file path=ppt/slides/slide33.xml><?xml version="1.0" encoding="utf-8"?>
+<file path=ppt/slides/slide31.xml><?xml version="1.0" encoding="utf-8"?>
 <p:sld xmlns:a="http://schemas.openxmlformats.org/drawingml/2006/main" xmlns:r="http://schemas.openxmlformats.org/officeDocument/2006/relationships" xmlns:p="http://schemas.openxmlformats.org/presentationml/2006/main">
   <p:cSld>
     <p:spTree>
@@ -20384,35 +19941,7 @@
                 <a:latin typeface="Arial"/>
                 <a:cs typeface="Arial"/>
               </a:rPr>
-              <a:t> with details like email settings, slack settings, </a:t>
-            </a:r>
-            <a:r>
-              <a:rPr lang="en-US" sz="1000" dirty="0" err="1">
-                <a:latin typeface="Arial"/>
-                <a:cs typeface="Arial"/>
-              </a:rPr>
-              <a:t>sendor</a:t>
-            </a:r>
-            <a:r>
-              <a:rPr lang="en-US" sz="1000" dirty="0">
-                <a:latin typeface="Arial"/>
-                <a:cs typeface="Arial"/>
-              </a:rPr>
-              <a:t>, </a:t>
-            </a:r>
-            <a:r>
-              <a:rPr lang="en-US" sz="1000" dirty="0" err="1">
-                <a:latin typeface="Arial"/>
-                <a:cs typeface="Arial"/>
-              </a:rPr>
-              <a:t>recievers</a:t>
-            </a:r>
-            <a:r>
-              <a:rPr lang="en-US" sz="1000" dirty="0">
-                <a:latin typeface="Arial"/>
-                <a:cs typeface="Arial"/>
-              </a:rPr>
-              <a:t> and further alert level configurations</a:t>
+              <a:t> with details like email settings, slack settings, sender, receivers and further alert level configurations</a:t>
             </a:r>
           </a:p>
           <a:p>
@@ -20488,7 +20017,7 @@
 </p:sld>
 </file>
 
-<file path=ppt/slides/slide34.xml><?xml version="1.0" encoding="utf-8"?>
+<file path=ppt/slides/slide32.xml><?xml version="1.0" encoding="utf-8"?>
 <p:sld xmlns:a="http://schemas.openxmlformats.org/drawingml/2006/main" xmlns:r="http://schemas.openxmlformats.org/officeDocument/2006/relationships" xmlns:p="http://schemas.openxmlformats.org/presentationml/2006/main">
   <p:cSld>
     <p:spTree>
@@ -20871,7 +20400,7 @@
 </p:sld>
 </file>
 
-<file path=ppt/slides/slide35.xml><?xml version="1.0" encoding="utf-8"?>
+<file path=ppt/slides/slide33.xml><?xml version="1.0" encoding="utf-8"?>
 <p:sld xmlns:a="http://schemas.openxmlformats.org/drawingml/2006/main" xmlns:r="http://schemas.openxmlformats.org/officeDocument/2006/relationships" xmlns:p="http://schemas.openxmlformats.org/presentationml/2006/main">
   <p:cSld>
     <p:spTree>
@@ -20978,7 +20507,7 @@
                 <a:latin typeface="Arial"/>
                 <a:cs typeface="Arial"/>
               </a:rPr>
-              <a:t>is an open-source (but they have their enterprise version as well) observability platform used for visualizing metrics, logs, and traces. </a:t>
+              <a:t>is an open-source observability platform used for visualizing metrics, logs, and traces. They also have an enterprise version.</a:t>
             </a:r>
           </a:p>
           <a:p>
@@ -21190,7 +20719,7 @@
 </p:sld>
 </file>
 
-<file path=ppt/slides/slide36.xml><?xml version="1.0" encoding="utf-8"?>
+<file path=ppt/slides/slide34.xml><?xml version="1.0" encoding="utf-8"?>
 <p:sld xmlns:a="http://schemas.openxmlformats.org/drawingml/2006/main" xmlns:r="http://schemas.openxmlformats.org/officeDocument/2006/relationships" xmlns:p="http://schemas.openxmlformats.org/presentationml/2006/main">
   <p:cSld>
     <p:spTree>
@@ -21270,8 +20799,8 @@
         </p:nvSpPr>
         <p:spPr>
           <a:xfrm>
-            <a:off x="311700" y="1139018"/>
-            <a:ext cx="8293457" cy="3775882"/>
+            <a:off x="311701" y="1139018"/>
+            <a:ext cx="4635856" cy="3775882"/>
           </a:xfrm>
           <a:prstGeom prst="rect">
             <a:avLst/>
@@ -21301,7 +20830,7 @@
               </a:lnSpc>
             </a:pPr>
             <a:r>
-              <a:rPr lang="en-US" sz="1200" dirty="0">
+              <a:rPr lang="en-US" sz="1100" dirty="0">
                 <a:latin typeface="Arial"/>
                 <a:cs typeface="Arial"/>
               </a:rPr>
@@ -21315,7 +20844,7 @@
               </a:lnSpc>
             </a:pPr>
             <a:r>
-              <a:rPr lang="en-US" sz="1200" dirty="0">
+              <a:rPr lang="en-US" sz="1100" dirty="0">
                 <a:latin typeface="Arial"/>
                 <a:cs typeface="Arial"/>
               </a:rPr>
@@ -21329,7 +20858,7 @@
               </a:lnSpc>
             </a:pPr>
             <a:r>
-              <a:rPr lang="en-US" sz="1200" dirty="0">
+              <a:rPr lang="en-US" sz="1100" dirty="0">
                 <a:latin typeface="Arial"/>
                 <a:cs typeface="Arial"/>
               </a:rPr>
@@ -21343,7 +20872,7 @@
               </a:lnSpc>
             </a:pPr>
             <a:r>
-              <a:rPr lang="en-US" sz="1200" dirty="0">
+              <a:rPr lang="en-US" sz="1100" dirty="0">
                 <a:latin typeface="Arial"/>
                 <a:cs typeface="Arial"/>
               </a:rPr>
@@ -21357,7 +20886,7 @@
               </a:lnSpc>
             </a:pPr>
             <a:r>
-              <a:rPr lang="en-US" sz="1200" dirty="0">
+              <a:rPr lang="en-US" sz="1100" dirty="0">
                 <a:latin typeface="Arial"/>
                 <a:cs typeface="Arial"/>
               </a:rPr>
@@ -21371,7 +20900,7 @@
               </a:lnSpc>
             </a:pPr>
             <a:r>
-              <a:rPr lang="en-US" sz="1200" dirty="0">
+              <a:rPr lang="en-US" sz="1100" dirty="0">
                 <a:latin typeface="Arial"/>
                 <a:cs typeface="Arial"/>
               </a:rPr>
@@ -21385,7 +20914,7 @@
               </a:lnSpc>
             </a:pPr>
             <a:r>
-              <a:rPr lang="en-US" sz="1200" dirty="0">
+              <a:rPr lang="en-US" sz="1100" dirty="0">
                 <a:latin typeface="Arial"/>
                 <a:cs typeface="Arial"/>
               </a:rPr>
@@ -21407,7 +20936,7 @@
 </p:sld>
 </file>
 
-<file path=ppt/slides/slide37.xml><?xml version="1.0" encoding="utf-8"?>
+<file path=ppt/slides/slide35.xml><?xml version="1.0" encoding="utf-8"?>
 <p:sld xmlns:a="http://schemas.openxmlformats.org/drawingml/2006/main" xmlns:r="http://schemas.openxmlformats.org/officeDocument/2006/relationships" xmlns:p="http://schemas.openxmlformats.org/presentationml/2006/main">
   <p:cSld>
     <p:spTree>
@@ -21515,18 +21044,6 @@
             <a:pPr marL="139700" indent="0">
               <a:buNone/>
             </a:pPr>
-            <a:r>
-              <a:rPr lang="en-US" sz="1000" dirty="0">
-                <a:latin typeface="Arial"/>
-                <a:cs typeface="Arial"/>
-              </a:rPr>
-              <a:t>Steps to Import: Search for Kubernetes Dashboards available in which is available for Open Source Grafana version: https://grafana.com/grafana/dashboards</a:t>
-            </a:r>
-          </a:p>
-          <a:p>
-            <a:pPr marL="139700" indent="0">
-              <a:buNone/>
-            </a:pPr>
             <a:endParaRPr lang="en-US" sz="1000" dirty="0">
               <a:latin typeface="Arial"/>
               <a:cs typeface="Arial"/>
@@ -21541,7 +21058,40 @@
                 <a:latin typeface="Arial"/>
                 <a:cs typeface="Arial"/>
               </a:rPr>
+              <a:t>Steps to Import: Search for an available dashboards for the Open Source Grafana version: https://grafana.com/grafana/dashboards</a:t>
+            </a:r>
+          </a:p>
+          <a:p>
+            <a:pPr marL="139700" indent="0">
+              <a:buNone/>
+            </a:pPr>
+            <a:endParaRPr lang="en-US" sz="1000" dirty="0">
+              <a:latin typeface="Arial"/>
+              <a:cs typeface="Arial"/>
+            </a:endParaRPr>
+          </a:p>
+          <a:p>
+            <a:pPr marL="139700" indent="0">
+              <a:buNone/>
+            </a:pPr>
+            <a:r>
+              <a:rPr lang="en-US" sz="1000" dirty="0">
+                <a:latin typeface="Arial"/>
+                <a:cs typeface="Arial"/>
+              </a:rPr>
               <a:t>Select any dashboard from here.</a:t>
+            </a:r>
+          </a:p>
+          <a:p>
+            <a:pPr marL="139700" indent="0">
+              <a:buNone/>
+            </a:pPr>
+            <a:r>
+              <a:rPr lang="en-US" sz="1000" dirty="0">
+                <a:latin typeface="Arial"/>
+                <a:cs typeface="Arial"/>
+              </a:rPr>
+              <a:t>e.g.: </a:t>
             </a:r>
           </a:p>
           <a:p>
@@ -21721,7 +21271,7 @@
 </p:sld>
 </file>
 
-<file path=ppt/slides/slide38.xml><?xml version="1.0" encoding="utf-8"?>
+<file path=ppt/slides/slide36.xml><?xml version="1.0" encoding="utf-8"?>
 <p:sld xmlns:a="http://schemas.openxmlformats.org/drawingml/2006/main" xmlns:r="http://schemas.openxmlformats.org/officeDocument/2006/relationships" xmlns:p="http://schemas.openxmlformats.org/presentationml/2006/main">
   <p:cSld>
     <p:spTree>
@@ -21818,7 +21368,7 @@
               <a:buNone/>
             </a:pPr>
             <a:r>
-              <a:rPr lang="en-US" sz="1000" dirty="0">
+              <a:rPr lang="en-US" sz="900" dirty="0">
                 <a:latin typeface="Arial"/>
                 <a:cs typeface="Arial"/>
               </a:rPr>
@@ -21830,7 +21380,7 @@
               <a:buNone/>
             </a:pPr>
             <a:r>
-              <a:rPr lang="en-US" sz="1000" dirty="0">
+              <a:rPr lang="en-US" sz="900" dirty="0">
                 <a:latin typeface="Arial"/>
                 <a:cs typeface="Arial"/>
               </a:rPr>
@@ -21842,7 +21392,7 @@
               <a:buNone/>
             </a:pPr>
             <a:r>
-              <a:rPr lang="en-US" sz="1000" dirty="0">
+              <a:rPr lang="en-US" sz="900" dirty="0">
                 <a:latin typeface="Arial"/>
                 <a:cs typeface="Arial"/>
               </a:rPr>
@@ -21854,21 +21404,21 @@
               <a:buNone/>
             </a:pPr>
             <a:r>
-              <a:rPr lang="en-US" sz="1000" dirty="0">
+              <a:rPr lang="en-US" sz="900" dirty="0">
                 <a:latin typeface="Arial"/>
                 <a:cs typeface="Arial"/>
               </a:rPr>
               <a:t>- Enter </a:t>
             </a:r>
             <a:r>
-              <a:rPr lang="en-US" sz="1000" dirty="0" err="1">
+              <a:rPr lang="en-US" sz="900" dirty="0" err="1">
                 <a:latin typeface="Arial"/>
                 <a:cs typeface="Arial"/>
               </a:rPr>
               <a:t>Promql</a:t>
             </a:r>
             <a:r>
-              <a:rPr lang="en-US" sz="1000" dirty="0">
+              <a:rPr lang="en-US" sz="900" dirty="0">
                 <a:latin typeface="Arial"/>
                 <a:cs typeface="Arial"/>
               </a:rPr>
@@ -21880,7 +21430,7 @@
               <a:buNone/>
             </a:pPr>
             <a:r>
-              <a:rPr lang="en-US" sz="1000" dirty="0">
+              <a:rPr lang="en-US" sz="900" dirty="0">
                 <a:latin typeface="Arial"/>
                 <a:cs typeface="Arial"/>
               </a:rPr>
@@ -21892,7 +21442,7 @@
               <a:buNone/>
             </a:pPr>
             <a:r>
-              <a:rPr lang="en-US" sz="1000" dirty="0">
+              <a:rPr lang="en-US" sz="900" dirty="0">
                 <a:latin typeface="Arial"/>
                 <a:cs typeface="Arial"/>
               </a:rPr>
@@ -21904,21 +21454,21 @@
               <a:buNone/>
             </a:pPr>
             <a:r>
-              <a:rPr lang="en-US" sz="1000" dirty="0">
+              <a:rPr lang="en-US" sz="900" dirty="0">
                 <a:latin typeface="Arial"/>
                 <a:cs typeface="Arial"/>
               </a:rPr>
               <a:t>sum(rate(</a:t>
             </a:r>
             <a:r>
-              <a:rPr lang="en-US" sz="1000" dirty="0" err="1">
+              <a:rPr lang="en-US" sz="900" dirty="0" err="1">
                 <a:latin typeface="Arial"/>
                 <a:cs typeface="Arial"/>
               </a:rPr>
               <a:t>node_cpu_seconds_total</a:t>
             </a:r>
             <a:r>
-              <a:rPr lang="en-US" sz="1000" dirty="0">
+              <a:rPr lang="en-US" sz="900" dirty="0">
                 <a:latin typeface="Arial"/>
                 <a:cs typeface="Arial"/>
               </a:rPr>
@@ -21929,7 +21479,7 @@
             <a:pPr marL="139700" indent="0">
               <a:buNone/>
             </a:pPr>
-            <a:endParaRPr lang="en-US" sz="1000" dirty="0">
+            <a:endParaRPr lang="en-US" sz="900" dirty="0">
               <a:latin typeface="Arial"/>
               <a:cs typeface="Arial"/>
             </a:endParaRPr>
@@ -21939,7 +21489,7 @@
               <a:buNone/>
             </a:pPr>
             <a:r>
-              <a:rPr lang="en-US" sz="1000" dirty="0">
+              <a:rPr lang="en-US" sz="900" dirty="0">
                 <a:latin typeface="Arial"/>
                 <a:cs typeface="Arial"/>
               </a:rPr>
@@ -21951,49 +21501,49 @@
               <a:buNone/>
             </a:pPr>
             <a:r>
-              <a:rPr lang="en-US" sz="1000" dirty="0">
+              <a:rPr lang="en-US" sz="900" dirty="0">
                 <a:latin typeface="Arial"/>
                 <a:cs typeface="Arial"/>
               </a:rPr>
               <a:t>(</a:t>
             </a:r>
             <a:r>
-              <a:rPr lang="en-US" sz="1000" dirty="0" err="1">
+              <a:rPr lang="en-US" sz="900" dirty="0" err="1">
                 <a:latin typeface="Arial"/>
                 <a:cs typeface="Arial"/>
               </a:rPr>
               <a:t>node_memory_MemTotal_bytes</a:t>
             </a:r>
             <a:r>
-              <a:rPr lang="en-US" sz="1000" dirty="0">
+              <a:rPr lang="en-US" sz="900" dirty="0">
                 <a:latin typeface="Arial"/>
                 <a:cs typeface="Arial"/>
               </a:rPr>
               <a:t> - </a:t>
             </a:r>
             <a:r>
-              <a:rPr lang="en-US" sz="1000" dirty="0" err="1">
+              <a:rPr lang="en-US" sz="900" dirty="0" err="1">
                 <a:latin typeface="Arial"/>
                 <a:cs typeface="Arial"/>
               </a:rPr>
               <a:t>node_memory_MemAvailable_bytes</a:t>
             </a:r>
             <a:r>
-              <a:rPr lang="en-US" sz="1000" dirty="0">
+              <a:rPr lang="en-US" sz="900" dirty="0">
                 <a:latin typeface="Arial"/>
                 <a:cs typeface="Arial"/>
               </a:rPr>
               <a:t>) / </a:t>
             </a:r>
             <a:r>
-              <a:rPr lang="en-US" sz="1000" dirty="0" err="1">
+              <a:rPr lang="en-US" sz="900" dirty="0" err="1">
                 <a:latin typeface="Arial"/>
                 <a:cs typeface="Arial"/>
               </a:rPr>
               <a:t>node_memory_MemTotal_bytes</a:t>
             </a:r>
             <a:r>
-              <a:rPr lang="en-US" sz="1000" dirty="0">
+              <a:rPr lang="en-US" sz="900" dirty="0">
                 <a:latin typeface="Arial"/>
                 <a:cs typeface="Arial"/>
               </a:rPr>
@@ -22004,7 +21554,7 @@
             <a:pPr marL="139700" indent="0">
               <a:buNone/>
             </a:pPr>
-            <a:endParaRPr lang="en-US" sz="1000" dirty="0">
+            <a:endParaRPr lang="en-US" sz="900" dirty="0">
               <a:latin typeface="Arial"/>
               <a:cs typeface="Arial"/>
             </a:endParaRPr>
@@ -22014,7 +21564,7 @@
               <a:buNone/>
             </a:pPr>
             <a:r>
-              <a:rPr lang="en-US" sz="1000" dirty="0">
+              <a:rPr lang="en-US" sz="900" dirty="0">
                 <a:latin typeface="Arial"/>
                 <a:cs typeface="Arial"/>
               </a:rPr>
@@ -22026,21 +21576,21 @@
               <a:buNone/>
             </a:pPr>
             <a:r>
-              <a:rPr lang="en-US" sz="1000" dirty="0">
+              <a:rPr lang="en-US" sz="900" dirty="0">
                 <a:latin typeface="Arial"/>
                 <a:cs typeface="Arial"/>
               </a:rPr>
               <a:t>sum(rate(</a:t>
             </a:r>
             <a:r>
-              <a:rPr lang="en-US" sz="1000" dirty="0" err="1">
+              <a:rPr lang="en-US" sz="900" dirty="0" err="1">
                 <a:latin typeface="Arial"/>
                 <a:cs typeface="Arial"/>
               </a:rPr>
               <a:t>container_cpu_usage_seconds_total</a:t>
             </a:r>
             <a:r>
-              <a:rPr lang="en-US" sz="1000" dirty="0">
+              <a:rPr lang="en-US" sz="900" dirty="0">
                 <a:latin typeface="Arial"/>
                 <a:cs typeface="Arial"/>
               </a:rPr>
@@ -22051,7 +21601,7 @@
             <a:pPr marL="139700" indent="0">
               <a:buNone/>
             </a:pPr>
-            <a:endParaRPr lang="en-US" sz="1000" dirty="0">
+            <a:endParaRPr lang="en-US" sz="900" dirty="0">
               <a:latin typeface="Arial"/>
               <a:cs typeface="Arial"/>
             </a:endParaRPr>
@@ -22061,7 +21611,7 @@
               <a:buNone/>
             </a:pPr>
             <a:r>
-              <a:rPr lang="en-US" sz="1000" dirty="0">
+              <a:rPr lang="en-US" sz="900" dirty="0">
                 <a:latin typeface="Arial"/>
                 <a:cs typeface="Arial"/>
               </a:rPr>
@@ -22073,21 +21623,21 @@
               <a:buNone/>
             </a:pPr>
             <a:r>
-              <a:rPr lang="en-US" sz="1000" dirty="0">
+              <a:rPr lang="en-US" sz="900" dirty="0">
                 <a:latin typeface="Arial"/>
                 <a:cs typeface="Arial"/>
               </a:rPr>
               <a:t>sum(</a:t>
             </a:r>
             <a:r>
-              <a:rPr lang="en-US" sz="1000" dirty="0" err="1">
+              <a:rPr lang="en-US" sz="900" dirty="0" err="1">
                 <a:latin typeface="Arial"/>
                 <a:cs typeface="Arial"/>
               </a:rPr>
               <a:t>container_memory_working_set_bytes</a:t>
             </a:r>
             <a:r>
-              <a:rPr lang="en-US" sz="1000" dirty="0">
+              <a:rPr lang="en-US" sz="900" dirty="0">
                 <a:latin typeface="Arial"/>
                 <a:cs typeface="Arial"/>
               </a:rPr>
@@ -22098,7 +21648,7 @@
             <a:pPr marL="139700" indent="0">
               <a:buNone/>
             </a:pPr>
-            <a:endParaRPr lang="en-US" sz="1000" dirty="0">
+            <a:endParaRPr lang="en-US" sz="900" dirty="0">
               <a:latin typeface="Arial"/>
               <a:cs typeface="Arial"/>
             </a:endParaRPr>
@@ -22108,7 +21658,7 @@
               <a:buNone/>
             </a:pPr>
             <a:r>
-              <a:rPr lang="en-US" sz="1000" dirty="0">
+              <a:rPr lang="en-US" sz="900" dirty="0">
                 <a:latin typeface="Arial"/>
                 <a:cs typeface="Arial"/>
               </a:rPr>
@@ -22120,7 +21670,7 @@
               <a:buNone/>
             </a:pPr>
             <a:r>
-              <a:rPr lang="en-US" sz="1000" dirty="0">
+              <a:rPr lang="en-US" sz="900" dirty="0">
                 <a:latin typeface="Arial"/>
                 <a:cs typeface="Arial"/>
               </a:rPr>
@@ -22132,7 +21682,7 @@
               <a:buNone/>
             </a:pPr>
             <a:r>
-              <a:rPr lang="en-US" sz="1000" dirty="0">
+              <a:rPr lang="en-US" sz="900" dirty="0">
                 <a:latin typeface="Arial"/>
                 <a:cs typeface="Arial"/>
               </a:rPr>
@@ -22144,7 +21694,7 @@
               <a:buNone/>
             </a:pPr>
             <a:r>
-              <a:rPr lang="en-US" sz="1000" dirty="0">
+              <a:rPr lang="en-US" sz="900" dirty="0">
                 <a:latin typeface="Arial"/>
                 <a:cs typeface="Arial"/>
               </a:rPr>
@@ -22156,21 +21706,21 @@
               <a:buNone/>
             </a:pPr>
             <a:r>
-              <a:rPr lang="en-US" sz="1000" dirty="0">
+              <a:rPr lang="en-US" sz="900" dirty="0">
                 <a:latin typeface="Arial"/>
                 <a:cs typeface="Arial"/>
               </a:rPr>
               <a:t>Copy-paste the relevant </a:t>
             </a:r>
             <a:r>
-              <a:rPr lang="en-US" sz="1000" dirty="0" err="1">
+              <a:rPr lang="en-US" sz="900" dirty="0" err="1">
                 <a:latin typeface="Arial"/>
                 <a:cs typeface="Arial"/>
               </a:rPr>
               <a:t>PromQL</a:t>
             </a:r>
             <a:r>
-              <a:rPr lang="en-US" sz="1000" dirty="0">
+              <a:rPr lang="en-US" sz="900" dirty="0">
                 <a:latin typeface="Arial"/>
                 <a:cs typeface="Arial"/>
               </a:rPr>
@@ -22182,7 +21732,7 @@
               <a:buNone/>
             </a:pPr>
             <a:r>
-              <a:rPr lang="en-US" sz="1000" dirty="0">
+              <a:rPr lang="en-US" sz="900" dirty="0">
                 <a:latin typeface="Arial"/>
                 <a:cs typeface="Arial"/>
               </a:rPr>
@@ -22194,7 +21744,7 @@
               <a:buNone/>
             </a:pPr>
             <a:r>
-              <a:rPr lang="en-US" sz="1000" dirty="0">
+              <a:rPr lang="en-US" sz="900" dirty="0">
                 <a:latin typeface="Arial"/>
                 <a:cs typeface="Arial"/>
               </a:rPr>

--- a/Observability.pptx
+++ b/Observability.pptx
@@ -13918,21 +13918,7 @@
                 <a:latin typeface="Arial"/>
                 <a:cs typeface="Arial"/>
               </a:rPr>
-              <a:t>Alert on abnormal container </a:t>
-            </a:r>
-            <a:r>
-              <a:rPr lang="en-IN" sz="1100" dirty="0" err="1">
-                <a:latin typeface="Arial"/>
-                <a:cs typeface="Arial"/>
-              </a:rPr>
-              <a:t>behavior</a:t>
-            </a:r>
-            <a:r>
-              <a:rPr lang="en-IN" sz="1100" dirty="0">
-                <a:latin typeface="Arial"/>
-                <a:cs typeface="Arial"/>
-              </a:rPr>
-              <a:t> (restarts, OOM kills)</a:t>
+              <a:t>Alert on abnormal container behaviour (restarts, OOM kills)</a:t>
             </a:r>
           </a:p>
           <a:p>
